--- a/10python/l01/programming_01.pptx
+++ b/10python/l01/programming_01.pptx
@@ -129,7 +129,7 @@
   </p:defaultTextStyle>
   <p:extLst>
     <p:ext uri="{EFAFB233-063F-42B5-8137-9DF3F51BA10A}">
-      <p15:sldGuideLst xmlns="" xmlns:p15="http://schemas.microsoft.com/office/powerpoint/2012/main">
+      <p15:sldGuideLst xmlns:p15="http://schemas.microsoft.com/office/powerpoint/2012/main" xmlns="">
         <p15:guide id="1" orient="horz" pos="2160">
           <p15:clr>
             <a:srgbClr val="A4A3A4"/>
@@ -2565,405 +2565,6 @@
       <dsp:cNvGrpSpPr/>
     </dsp:nvGrpSpPr>
     <dsp:grpSpPr/>
-    <dsp:sp modelId="{5A7E4687-CB44-41EF-807B-F0972F89CC77}">
-      <dsp:nvSpPr>
-        <dsp:cNvPr id="0" name=""/>
-        <dsp:cNvSpPr/>
-      </dsp:nvSpPr>
-      <dsp:spPr>
-        <a:xfrm rot="10800000">
-          <a:off x="808415" y="58042"/>
-          <a:ext cx="5215265" cy="1118895"/>
-        </a:xfrm>
-        <a:prstGeom prst="homePlate">
-          <a:avLst/>
-        </a:prstGeom>
-        <a:solidFill>
-          <a:schemeClr val="accent1">
-            <a:hueOff val="0"/>
-            <a:satOff val="0"/>
-            <a:lumOff val="0"/>
-            <a:alphaOff val="0"/>
-          </a:schemeClr>
-        </a:solidFill>
-        <a:ln w="26425" cap="flat" cmpd="sng" algn="ctr">
-          <a:solidFill>
-            <a:schemeClr val="lt1">
-              <a:hueOff val="0"/>
-              <a:satOff val="0"/>
-              <a:lumOff val="0"/>
-              <a:alphaOff val="0"/>
-            </a:schemeClr>
-          </a:solidFill>
-          <a:prstDash val="solid"/>
-        </a:ln>
-        <a:effectLst/>
-      </dsp:spPr>
-      <dsp:style>
-        <a:lnRef idx="2">
-          <a:scrgbClr r="0" g="0" b="0"/>
-        </a:lnRef>
-        <a:fillRef idx="1">
-          <a:scrgbClr r="0" g="0" b="0"/>
-        </a:fillRef>
-        <a:effectRef idx="0">
-          <a:scrgbClr r="0" g="0" b="0"/>
-        </a:effectRef>
-        <a:fontRef idx="minor">
-          <a:schemeClr val="lt1"/>
-        </a:fontRef>
-      </dsp:style>
-      <dsp:txBody>
-        <a:bodyPr spcFirstLastPara="0" vert="horz" wrap="square" lIns="499516" tIns="72390" rIns="135128" bIns="72390" numCol="1" spcCol="1270" anchor="ctr" anchorCtr="0">
-          <a:noAutofit/>
-        </a:bodyPr>
-        <a:lstStyle/>
-        <a:p>
-          <a:pPr lvl="0" algn="ctr" defTabSz="844550">
-            <a:lnSpc>
-              <a:spcPct val="90000"/>
-            </a:lnSpc>
-            <a:spcBef>
-              <a:spcPct val="0"/>
-            </a:spcBef>
-            <a:spcAft>
-              <a:spcPct val="35000"/>
-            </a:spcAft>
-          </a:pPr>
-          <a:r>
-            <a:rPr lang="en-GB" sz="1900" kern="1200" dirty="0" smtClean="0"/>
-            <a:t>Name a function we had used?	</a:t>
-          </a:r>
-          <a:endParaRPr lang="en-GB" sz="1900" kern="1200" dirty="0"/>
-        </a:p>
-      </dsp:txBody>
-      <dsp:txXfrm rot="10800000">
-        <a:off x="808415" y="58042"/>
-        <a:ext cx="5215265" cy="1118895"/>
-      </dsp:txXfrm>
-    </dsp:sp>
-    <dsp:sp modelId="{E67FDBC7-F833-481F-BC95-CC8C27C410B5}">
-      <dsp:nvSpPr>
-        <dsp:cNvPr id="0" name=""/>
-        <dsp:cNvSpPr/>
-      </dsp:nvSpPr>
-      <dsp:spPr>
-        <a:xfrm>
-          <a:off x="90981" y="92467"/>
-          <a:ext cx="894495" cy="937268"/>
-        </a:xfrm>
-        <a:prstGeom prst="ellipse">
-          <a:avLst/>
-        </a:prstGeom>
-        <a:blipFill rotWithShape="1">
-          <a:blip xmlns:r="http://schemas.openxmlformats.org/officeDocument/2006/relationships" r:embed="rId1"/>
-          <a:stretch>
-            <a:fillRect/>
-          </a:stretch>
-        </a:blipFill>
-        <a:ln w="26425" cap="flat" cmpd="sng" algn="ctr">
-          <a:solidFill>
-            <a:schemeClr val="lt1">
-              <a:hueOff val="0"/>
-              <a:satOff val="0"/>
-              <a:lumOff val="0"/>
-              <a:alphaOff val="0"/>
-            </a:schemeClr>
-          </a:solidFill>
-          <a:prstDash val="solid"/>
-        </a:ln>
-        <a:effectLst/>
-      </dsp:spPr>
-      <dsp:style>
-        <a:lnRef idx="2">
-          <a:scrgbClr r="0" g="0" b="0"/>
-        </a:lnRef>
-        <a:fillRef idx="1">
-          <a:scrgbClr r="0" g="0" b="0"/>
-        </a:fillRef>
-        <a:effectRef idx="0">
-          <a:scrgbClr r="0" g="0" b="0"/>
-        </a:effectRef>
-        <a:fontRef idx="minor"/>
-      </dsp:style>
-    </dsp:sp>
-    <dsp:sp modelId="{5C79C30D-3B90-4CD1-A2FE-58C77E80022C}">
-      <dsp:nvSpPr>
-        <dsp:cNvPr id="0" name=""/>
-        <dsp:cNvSpPr/>
-      </dsp:nvSpPr>
-      <dsp:spPr>
-        <a:xfrm rot="10800000">
-          <a:off x="760781" y="1268530"/>
-          <a:ext cx="5335218" cy="1132760"/>
-        </a:xfrm>
-        <a:prstGeom prst="homePlate">
-          <a:avLst/>
-        </a:prstGeom>
-        <a:solidFill>
-          <a:schemeClr val="accent1">
-            <a:hueOff val="0"/>
-            <a:satOff val="0"/>
-            <a:lumOff val="0"/>
-            <a:alphaOff val="0"/>
-          </a:schemeClr>
-        </a:solidFill>
-        <a:ln w="26425" cap="flat" cmpd="sng" algn="ctr">
-          <a:solidFill>
-            <a:schemeClr val="lt1">
-              <a:hueOff val="0"/>
-              <a:satOff val="0"/>
-              <a:lumOff val="0"/>
-              <a:alphaOff val="0"/>
-            </a:schemeClr>
-          </a:solidFill>
-          <a:prstDash val="solid"/>
-        </a:ln>
-        <a:effectLst/>
-      </dsp:spPr>
-      <dsp:style>
-        <a:lnRef idx="2">
-          <a:scrgbClr r="0" g="0" b="0"/>
-        </a:lnRef>
-        <a:fillRef idx="1">
-          <a:scrgbClr r="0" g="0" b="0"/>
-        </a:fillRef>
-        <a:effectRef idx="0">
-          <a:scrgbClr r="0" g="0" b="0"/>
-        </a:effectRef>
-        <a:fontRef idx="minor">
-          <a:schemeClr val="lt1"/>
-        </a:fontRef>
-      </dsp:style>
-      <dsp:txBody>
-        <a:bodyPr spcFirstLastPara="0" vert="horz" wrap="square" lIns="499516" tIns="72390" rIns="135128" bIns="72390" numCol="1" spcCol="1270" anchor="ctr" anchorCtr="0">
-          <a:noAutofit/>
-        </a:bodyPr>
-        <a:lstStyle/>
-        <a:p>
-          <a:pPr lvl="0" algn="ctr" defTabSz="844550">
-            <a:lnSpc>
-              <a:spcPct val="90000"/>
-            </a:lnSpc>
-            <a:spcBef>
-              <a:spcPct val="0"/>
-            </a:spcBef>
-            <a:spcAft>
-              <a:spcPct val="35000"/>
-            </a:spcAft>
-          </a:pPr>
-          <a:r>
-            <a:rPr lang="en-GB" sz="1900" kern="1200" dirty="0" smtClean="0"/>
-            <a:t>What are letters known as in programming?</a:t>
-          </a:r>
-          <a:endParaRPr lang="en-GB" sz="1900" kern="1200" dirty="0"/>
-        </a:p>
-      </dsp:txBody>
-      <dsp:txXfrm rot="10800000">
-        <a:off x="760781" y="1268530"/>
-        <a:ext cx="5335218" cy="1132760"/>
-      </dsp:txXfrm>
-    </dsp:sp>
-    <dsp:sp modelId="{B21FC601-A67F-402F-AA56-42B1ECD4EEED}">
-      <dsp:nvSpPr>
-        <dsp:cNvPr id="0" name=""/>
-        <dsp:cNvSpPr/>
-      </dsp:nvSpPr>
-      <dsp:spPr>
-        <a:xfrm>
-          <a:off x="0" y="1268530"/>
-          <a:ext cx="1330801" cy="1132760"/>
-        </a:xfrm>
-        <a:prstGeom prst="ellipse">
-          <a:avLst/>
-        </a:prstGeom>
-        <a:solidFill>
-          <a:schemeClr val="accent1">
-            <a:tint val="50000"/>
-            <a:hueOff val="0"/>
-            <a:satOff val="0"/>
-            <a:lumOff val="0"/>
-            <a:alphaOff val="0"/>
-          </a:schemeClr>
-        </a:solidFill>
-        <a:ln w="26425" cap="flat" cmpd="sng" algn="ctr">
-          <a:solidFill>
-            <a:schemeClr val="lt1">
-              <a:hueOff val="0"/>
-              <a:satOff val="0"/>
-              <a:lumOff val="0"/>
-              <a:alphaOff val="0"/>
-            </a:schemeClr>
-          </a:solidFill>
-          <a:prstDash val="solid"/>
-        </a:ln>
-        <a:effectLst/>
-      </dsp:spPr>
-      <dsp:style>
-        <a:lnRef idx="2">
-          <a:scrgbClr r="0" g="0" b="0"/>
-        </a:lnRef>
-        <a:fillRef idx="1">
-          <a:scrgbClr r="0" g="0" b="0"/>
-        </a:fillRef>
-        <a:effectRef idx="0">
-          <a:scrgbClr r="0" g="0" b="0"/>
-        </a:effectRef>
-        <a:fontRef idx="minor"/>
-      </dsp:style>
-    </dsp:sp>
-    <dsp:sp modelId="{5757D860-8D02-44B0-8EA4-4ACF6B82CF9B}">
-      <dsp:nvSpPr>
-        <dsp:cNvPr id="0" name=""/>
-        <dsp:cNvSpPr/>
-      </dsp:nvSpPr>
-      <dsp:spPr>
-        <a:xfrm rot="10800000">
-          <a:off x="871957" y="2568506"/>
-          <a:ext cx="5170145" cy="1132760"/>
-        </a:xfrm>
-        <a:prstGeom prst="homePlate">
-          <a:avLst/>
-        </a:prstGeom>
-        <a:solidFill>
-          <a:schemeClr val="accent1">
-            <a:hueOff val="0"/>
-            <a:satOff val="0"/>
-            <a:lumOff val="0"/>
-            <a:alphaOff val="0"/>
-          </a:schemeClr>
-        </a:solidFill>
-        <a:ln w="26425" cap="flat" cmpd="sng" algn="ctr">
-          <a:solidFill>
-            <a:schemeClr val="lt1">
-              <a:hueOff val="0"/>
-              <a:satOff val="0"/>
-              <a:lumOff val="0"/>
-              <a:alphaOff val="0"/>
-            </a:schemeClr>
-          </a:solidFill>
-          <a:prstDash val="solid"/>
-        </a:ln>
-        <a:effectLst/>
-      </dsp:spPr>
-      <dsp:style>
-        <a:lnRef idx="2">
-          <a:scrgbClr r="0" g="0" b="0"/>
-        </a:lnRef>
-        <a:fillRef idx="1">
-          <a:scrgbClr r="0" g="0" b="0"/>
-        </a:fillRef>
-        <a:effectRef idx="0">
-          <a:scrgbClr r="0" g="0" b="0"/>
-        </a:effectRef>
-        <a:fontRef idx="minor">
-          <a:schemeClr val="lt1"/>
-        </a:fontRef>
-      </dsp:style>
-      <dsp:txBody>
-        <a:bodyPr spcFirstLastPara="0" vert="horz" wrap="square" lIns="499516" tIns="72390" rIns="135128" bIns="72390" numCol="1" spcCol="1270" anchor="ctr" anchorCtr="0">
-          <a:noAutofit/>
-        </a:bodyPr>
-        <a:lstStyle/>
-        <a:p>
-          <a:pPr lvl="0" algn="ctr" defTabSz="844550">
-            <a:lnSpc>
-              <a:spcPct val="90000"/>
-            </a:lnSpc>
-            <a:spcBef>
-              <a:spcPct val="0"/>
-            </a:spcBef>
-            <a:spcAft>
-              <a:spcPct val="35000"/>
-            </a:spcAft>
-          </a:pPr>
-          <a:r>
-            <a:rPr lang="en-GB" sz="1900" kern="1200" dirty="0" smtClean="0"/>
-            <a:t>x = input(Enter name) </a:t>
-          </a:r>
-        </a:p>
-        <a:p>
-          <a:pPr lvl="0" algn="ctr" defTabSz="844550">
-            <a:lnSpc>
-              <a:spcPct val="90000"/>
-            </a:lnSpc>
-            <a:spcBef>
-              <a:spcPct val="0"/>
-            </a:spcBef>
-            <a:spcAft>
-              <a:spcPct val="35000"/>
-            </a:spcAft>
-          </a:pPr>
-          <a:r>
-            <a:rPr lang="en-GB" sz="1900" kern="1200" dirty="0" smtClean="0"/>
-            <a:t>Where is the error here?</a:t>
-          </a:r>
-        </a:p>
-        <a:p>
-          <a:pPr lvl="0" algn="ctr" defTabSz="844550">
-            <a:lnSpc>
-              <a:spcPct val="90000"/>
-            </a:lnSpc>
-            <a:spcBef>
-              <a:spcPct val="0"/>
-            </a:spcBef>
-            <a:spcAft>
-              <a:spcPct val="35000"/>
-            </a:spcAft>
-          </a:pPr>
-          <a:endParaRPr lang="en-GB" sz="1900" kern="1200" dirty="0"/>
-        </a:p>
-      </dsp:txBody>
-      <dsp:txXfrm rot="10800000">
-        <a:off x="871957" y="2568506"/>
-        <a:ext cx="5170145" cy="1132760"/>
-      </dsp:txXfrm>
-    </dsp:sp>
-    <dsp:sp modelId="{920E7462-FFF7-4344-AB5E-420107FFF661}">
-      <dsp:nvSpPr>
-        <dsp:cNvPr id="0" name=""/>
-        <dsp:cNvSpPr/>
-      </dsp:nvSpPr>
-      <dsp:spPr>
-        <a:xfrm>
-          <a:off x="0" y="2495420"/>
-          <a:ext cx="1280234" cy="1009606"/>
-        </a:xfrm>
-        <a:prstGeom prst="ellipse">
-          <a:avLst/>
-        </a:prstGeom>
-        <a:blipFill rotWithShape="1">
-          <a:blip xmlns:r="http://schemas.openxmlformats.org/officeDocument/2006/relationships" r:embed="rId2"/>
-          <a:stretch>
-            <a:fillRect/>
-          </a:stretch>
-        </a:blipFill>
-        <a:ln w="26425" cap="flat" cmpd="sng" algn="ctr">
-          <a:solidFill>
-            <a:schemeClr val="lt1">
-              <a:hueOff val="0"/>
-              <a:satOff val="0"/>
-              <a:lumOff val="0"/>
-              <a:alphaOff val="0"/>
-            </a:schemeClr>
-          </a:solidFill>
-          <a:prstDash val="solid"/>
-        </a:ln>
-        <a:effectLst/>
-      </dsp:spPr>
-      <dsp:style>
-        <a:lnRef idx="2">
-          <a:scrgbClr r="0" g="0" b="0"/>
-        </a:lnRef>
-        <a:fillRef idx="1">
-          <a:scrgbClr r="0" g="0" b="0"/>
-        </a:fillRef>
-        <a:effectRef idx="0">
-          <a:scrgbClr r="0" g="0" b="0"/>
-        </a:effectRef>
-        <a:fontRef idx="minor"/>
-      </dsp:style>
-    </dsp:sp>
   </dsp:spTree>
 </dsp:drawing>
 </file>
@@ -5445,7 +5046,7 @@
             <a:fld id="{7279E735-41B8-40FF-8196-A68A3F0EF46E}" type="datetimeFigureOut">
               <a:rPr lang="en-US" smtClean="0"/>
               <a:pPr/>
-              <a:t>4/7/2016</a:t>
+              <a:t>12/10/2016</a:t>
             </a:fld>
             <a:endParaRPr lang="en-US"/>
           </a:p>
@@ -5614,7 +5215,7 @@
     </p:spTree>
     <p:extLst>
       <p:ext uri="{BB962C8B-B14F-4D97-AF65-F5344CB8AC3E}">
-        <p14:creationId xmlns="" xmlns:p14="http://schemas.microsoft.com/office/powerpoint/2010/main" val="2077436607"/>
+        <p14:creationId xmlns:p14="http://schemas.microsoft.com/office/powerpoint/2010/main" xmlns="" val="2077436607"/>
       </p:ext>
     </p:extLst>
   </p:cSld>
@@ -5815,7 +5416,7 @@
     </p:spTree>
     <p:extLst>
       <p:ext uri="{BB962C8B-B14F-4D97-AF65-F5344CB8AC3E}">
-        <p14:creationId xmlns="" xmlns:p14="http://schemas.microsoft.com/office/powerpoint/2010/main" val="909162122"/>
+        <p14:creationId xmlns:p14="http://schemas.microsoft.com/office/powerpoint/2010/main" xmlns="" val="909162122"/>
       </p:ext>
     </p:extLst>
   </p:cSld>
@@ -5910,7 +5511,7 @@
     </p:spTree>
     <p:extLst>
       <p:ext uri="{BB962C8B-B14F-4D97-AF65-F5344CB8AC3E}">
-        <p14:creationId xmlns="" xmlns:p14="http://schemas.microsoft.com/office/powerpoint/2010/main" val="1588637736"/>
+        <p14:creationId xmlns:p14="http://schemas.microsoft.com/office/powerpoint/2010/main" xmlns="" val="1588637736"/>
       </p:ext>
     </p:extLst>
   </p:cSld>
@@ -6005,7 +5606,7 @@
     </p:spTree>
     <p:extLst>
       <p:ext uri="{BB962C8B-B14F-4D97-AF65-F5344CB8AC3E}">
-        <p14:creationId xmlns="" xmlns:p14="http://schemas.microsoft.com/office/powerpoint/2010/main" val="1588637736"/>
+        <p14:creationId xmlns:p14="http://schemas.microsoft.com/office/powerpoint/2010/main" xmlns="" val="1588637736"/>
       </p:ext>
     </p:extLst>
   </p:cSld>
@@ -6100,7 +5701,7 @@
     </p:spTree>
     <p:extLst>
       <p:ext uri="{BB962C8B-B14F-4D97-AF65-F5344CB8AC3E}">
-        <p14:creationId xmlns="" xmlns:p14="http://schemas.microsoft.com/office/powerpoint/2010/main" val="1588637736"/>
+        <p14:creationId xmlns:p14="http://schemas.microsoft.com/office/powerpoint/2010/main" xmlns="" val="1588637736"/>
       </p:ext>
     </p:extLst>
   </p:cSld>
@@ -6195,7 +5796,7 @@
     </p:spTree>
     <p:extLst>
       <p:ext uri="{BB962C8B-B14F-4D97-AF65-F5344CB8AC3E}">
-        <p14:creationId xmlns="" xmlns:p14="http://schemas.microsoft.com/office/powerpoint/2010/main" val="1588637736"/>
+        <p14:creationId xmlns:p14="http://schemas.microsoft.com/office/powerpoint/2010/main" xmlns="" val="1588637736"/>
       </p:ext>
     </p:extLst>
   </p:cSld>
@@ -6286,7 +5887,7 @@
     </p:spTree>
     <p:extLst>
       <p:ext uri="{BB962C8B-B14F-4D97-AF65-F5344CB8AC3E}">
-        <p14:creationId xmlns="" xmlns:p14="http://schemas.microsoft.com/office/powerpoint/2010/main" val="1588637736"/>
+        <p14:creationId xmlns:p14="http://schemas.microsoft.com/office/powerpoint/2010/main" xmlns="" val="1588637736"/>
       </p:ext>
     </p:extLst>
   </p:cSld>
@@ -6377,7 +5978,7 @@
     </p:spTree>
     <p:extLst>
       <p:ext uri="{BB962C8B-B14F-4D97-AF65-F5344CB8AC3E}">
-        <p14:creationId xmlns="" xmlns:p14="http://schemas.microsoft.com/office/powerpoint/2010/main" val="1588637736"/>
+        <p14:creationId xmlns:p14="http://schemas.microsoft.com/office/powerpoint/2010/main" xmlns="" val="1588637736"/>
       </p:ext>
     </p:extLst>
   </p:cSld>
@@ -6468,7 +6069,7 @@
     </p:spTree>
     <p:extLst>
       <p:ext uri="{BB962C8B-B14F-4D97-AF65-F5344CB8AC3E}">
-        <p14:creationId xmlns="" xmlns:p14="http://schemas.microsoft.com/office/powerpoint/2010/main" val="1588637736"/>
+        <p14:creationId xmlns:p14="http://schemas.microsoft.com/office/powerpoint/2010/main" xmlns="" val="1588637736"/>
       </p:ext>
     </p:extLst>
   </p:cSld>
@@ -6553,7 +6154,7 @@
     </p:spTree>
     <p:extLst>
       <p:ext uri="{BB962C8B-B14F-4D97-AF65-F5344CB8AC3E}">
-        <p14:creationId xmlns="" xmlns:p14="http://schemas.microsoft.com/office/powerpoint/2010/main" val="1588637736"/>
+        <p14:creationId xmlns:p14="http://schemas.microsoft.com/office/powerpoint/2010/main" xmlns="" val="1588637736"/>
       </p:ext>
     </p:extLst>
   </p:cSld>
@@ -6638,7 +6239,7 @@
     </p:spTree>
     <p:extLst>
       <p:ext uri="{BB962C8B-B14F-4D97-AF65-F5344CB8AC3E}">
-        <p14:creationId xmlns="" xmlns:p14="http://schemas.microsoft.com/office/powerpoint/2010/main" val="1588637736"/>
+        <p14:creationId xmlns:p14="http://schemas.microsoft.com/office/powerpoint/2010/main" xmlns="" val="1588637736"/>
       </p:ext>
     </p:extLst>
   </p:cSld>
@@ -6729,7 +6330,7 @@
     </p:spTree>
     <p:extLst>
       <p:ext uri="{BB962C8B-B14F-4D97-AF65-F5344CB8AC3E}">
-        <p14:creationId xmlns="" xmlns:p14="http://schemas.microsoft.com/office/powerpoint/2010/main" val="1588637736"/>
+        <p14:creationId xmlns:p14="http://schemas.microsoft.com/office/powerpoint/2010/main" xmlns="" val="1588637736"/>
       </p:ext>
     </p:extLst>
   </p:cSld>
@@ -6830,7 +6431,7 @@
     </p:spTree>
     <p:extLst>
       <p:ext uri="{BB962C8B-B14F-4D97-AF65-F5344CB8AC3E}">
-        <p14:creationId xmlns="" xmlns:p14="http://schemas.microsoft.com/office/powerpoint/2010/main" val="1588637736"/>
+        <p14:creationId xmlns:p14="http://schemas.microsoft.com/office/powerpoint/2010/main" xmlns="" val="1588637736"/>
       </p:ext>
     </p:extLst>
   </p:cSld>
@@ -6915,7 +6516,7 @@
     </p:spTree>
     <p:extLst>
       <p:ext uri="{BB962C8B-B14F-4D97-AF65-F5344CB8AC3E}">
-        <p14:creationId xmlns="" xmlns:p14="http://schemas.microsoft.com/office/powerpoint/2010/main" val="1588637736"/>
+        <p14:creationId xmlns:p14="http://schemas.microsoft.com/office/powerpoint/2010/main" xmlns="" val="1588637736"/>
       </p:ext>
     </p:extLst>
   </p:cSld>
@@ -7000,7 +6601,7 @@
     </p:spTree>
     <p:extLst>
       <p:ext uri="{BB962C8B-B14F-4D97-AF65-F5344CB8AC3E}">
-        <p14:creationId xmlns="" xmlns:p14="http://schemas.microsoft.com/office/powerpoint/2010/main" val="1588637736"/>
+        <p14:creationId xmlns:p14="http://schemas.microsoft.com/office/powerpoint/2010/main" xmlns="" val="1588637736"/>
       </p:ext>
     </p:extLst>
   </p:cSld>
@@ -7085,7 +6686,7 @@
     </p:spTree>
     <p:extLst>
       <p:ext uri="{BB962C8B-B14F-4D97-AF65-F5344CB8AC3E}">
-        <p14:creationId xmlns="" xmlns:p14="http://schemas.microsoft.com/office/powerpoint/2010/main" val="1588637736"/>
+        <p14:creationId xmlns:p14="http://schemas.microsoft.com/office/powerpoint/2010/main" xmlns="" val="1588637736"/>
       </p:ext>
     </p:extLst>
   </p:cSld>
@@ -7170,7 +6771,7 @@
     </p:spTree>
     <p:extLst>
       <p:ext uri="{BB962C8B-B14F-4D97-AF65-F5344CB8AC3E}">
-        <p14:creationId xmlns="" xmlns:p14="http://schemas.microsoft.com/office/powerpoint/2010/main" val="1588637736"/>
+        <p14:creationId xmlns:p14="http://schemas.microsoft.com/office/powerpoint/2010/main" xmlns="" val="1588637736"/>
       </p:ext>
     </p:extLst>
   </p:cSld>
@@ -7265,7 +6866,7 @@
     </p:spTree>
     <p:extLst>
       <p:ext uri="{BB962C8B-B14F-4D97-AF65-F5344CB8AC3E}">
-        <p14:creationId xmlns="" xmlns:p14="http://schemas.microsoft.com/office/powerpoint/2010/main" val="1588637736"/>
+        <p14:creationId xmlns:p14="http://schemas.microsoft.com/office/powerpoint/2010/main" xmlns="" val="1588637736"/>
       </p:ext>
     </p:extLst>
   </p:cSld>
@@ -7360,7 +6961,7 @@
     </p:spTree>
     <p:extLst>
       <p:ext uri="{BB962C8B-B14F-4D97-AF65-F5344CB8AC3E}">
-        <p14:creationId xmlns="" xmlns:p14="http://schemas.microsoft.com/office/powerpoint/2010/main" val="1588637736"/>
+        <p14:creationId xmlns:p14="http://schemas.microsoft.com/office/powerpoint/2010/main" xmlns="" val="1588637736"/>
       </p:ext>
     </p:extLst>
   </p:cSld>
@@ -7455,7 +7056,7 @@
     </p:spTree>
     <p:extLst>
       <p:ext uri="{BB962C8B-B14F-4D97-AF65-F5344CB8AC3E}">
-        <p14:creationId xmlns="" xmlns:p14="http://schemas.microsoft.com/office/powerpoint/2010/main" val="1588637736"/>
+        <p14:creationId xmlns:p14="http://schemas.microsoft.com/office/powerpoint/2010/main" xmlns="" val="1588637736"/>
       </p:ext>
     </p:extLst>
   </p:cSld>
@@ -7550,7 +7151,7 @@
     </p:spTree>
     <p:extLst>
       <p:ext uri="{BB962C8B-B14F-4D97-AF65-F5344CB8AC3E}">
-        <p14:creationId xmlns="" xmlns:p14="http://schemas.microsoft.com/office/powerpoint/2010/main" val="1588637736"/>
+        <p14:creationId xmlns:p14="http://schemas.microsoft.com/office/powerpoint/2010/main" xmlns="" val="1588637736"/>
       </p:ext>
     </p:extLst>
   </p:cSld>
@@ -7645,7 +7246,7 @@
     </p:spTree>
     <p:extLst>
       <p:ext uri="{BB962C8B-B14F-4D97-AF65-F5344CB8AC3E}">
-        <p14:creationId xmlns="" xmlns:p14="http://schemas.microsoft.com/office/powerpoint/2010/main" val="1588637736"/>
+        <p14:creationId xmlns:p14="http://schemas.microsoft.com/office/powerpoint/2010/main" xmlns="" val="1588637736"/>
       </p:ext>
     </p:extLst>
   </p:cSld>
@@ -7844,7 +7445,7 @@
             <a:fld id="{FC73D093-028E-4C31-96F2-C3E244130089}" type="datetimeFigureOut">
               <a:rPr lang="en-US" smtClean="0"/>
               <a:pPr/>
-              <a:t>4/7/2016</a:t>
+              <a:t>12/10/2016</a:t>
             </a:fld>
             <a:endParaRPr lang="en-US"/>
           </a:p>
@@ -8046,7 +7647,7 @@
             <a:fld id="{FC73D093-028E-4C31-96F2-C3E244130089}" type="datetimeFigureOut">
               <a:rPr lang="en-US" smtClean="0"/>
               <a:pPr/>
-              <a:t>4/7/2016</a:t>
+              <a:t>12/10/2016</a:t>
             </a:fld>
             <a:endParaRPr lang="en-US"/>
           </a:p>
@@ -8223,7 +7824,7 @@
             <a:fld id="{FC73D093-028E-4C31-96F2-C3E244130089}" type="datetimeFigureOut">
               <a:rPr lang="en-US" smtClean="0"/>
               <a:pPr/>
-              <a:t>4/7/2016</a:t>
+              <a:t>12/10/2016</a:t>
             </a:fld>
             <a:endParaRPr lang="en-US"/>
           </a:p>
@@ -8390,7 +7991,7 @@
             <a:fld id="{FC73D093-028E-4C31-96F2-C3E244130089}" type="datetimeFigureOut">
               <a:rPr lang="en-US" smtClean="0"/>
               <a:pPr/>
-              <a:t>4/7/2016</a:t>
+              <a:t>12/10/2016</a:t>
             </a:fld>
             <a:endParaRPr lang="en-US"/>
           </a:p>
@@ -8640,7 +8241,7 @@
             <a:fld id="{FC73D093-028E-4C31-96F2-C3E244130089}" type="datetimeFigureOut">
               <a:rPr lang="en-US" smtClean="0"/>
               <a:pPr/>
-              <a:t>4/7/2016</a:t>
+              <a:t>12/10/2016</a:t>
             </a:fld>
             <a:endParaRPr lang="en-US"/>
           </a:p>
@@ -8960,7 +8561,7 @@
             <a:fld id="{FC73D093-028E-4C31-96F2-C3E244130089}" type="datetimeFigureOut">
               <a:rPr lang="en-US" smtClean="0"/>
               <a:pPr/>
-              <a:t>4/7/2016</a:t>
+              <a:t>12/10/2016</a:t>
             </a:fld>
             <a:endParaRPr lang="en-US"/>
           </a:p>
@@ -9428,7 +9029,7 @@
             <a:fld id="{FC73D093-028E-4C31-96F2-C3E244130089}" type="datetimeFigureOut">
               <a:rPr lang="en-US" smtClean="0"/>
               <a:pPr/>
-              <a:t>4/7/2016</a:t>
+              <a:t>12/10/2016</a:t>
             </a:fld>
             <a:endParaRPr lang="en-US"/>
           </a:p>
@@ -9578,7 +9179,7 @@
             <a:fld id="{FC73D093-028E-4C31-96F2-C3E244130089}" type="datetimeFigureOut">
               <a:rPr lang="en-US" smtClean="0"/>
               <a:pPr/>
-              <a:t>4/7/2016</a:t>
+              <a:t>12/10/2016</a:t>
             </a:fld>
             <a:endParaRPr lang="en-US"/>
           </a:p>
@@ -9670,7 +9271,7 @@
             <a:fld id="{FC73D093-028E-4C31-96F2-C3E244130089}" type="datetimeFigureOut">
               <a:rPr lang="en-US" smtClean="0"/>
               <a:pPr/>
-              <a:t>4/7/2016</a:t>
+              <a:t>12/10/2016</a:t>
             </a:fld>
             <a:endParaRPr lang="en-US"/>
           </a:p>
@@ -9946,7 +9547,7 @@
             <a:fld id="{FC73D093-028E-4C31-96F2-C3E244130089}" type="datetimeFigureOut">
               <a:rPr lang="en-US" smtClean="0"/>
               <a:pPr/>
-              <a:t>4/7/2016</a:t>
+              <a:t>12/10/2016</a:t>
             </a:fld>
             <a:endParaRPr lang="en-US"/>
           </a:p>
@@ -10253,7 +9854,7 @@
             <a:fld id="{FC73D093-028E-4C31-96F2-C3E244130089}" type="datetimeFigureOut">
               <a:rPr lang="en-US" smtClean="0"/>
               <a:pPr/>
-              <a:t>4/7/2016</a:t>
+              <a:t>12/10/2016</a:t>
             </a:fld>
             <a:endParaRPr lang="en-US"/>
           </a:p>
@@ -10507,7 +10108,7 @@
             <a:fld id="{FC73D093-028E-4C31-96F2-C3E244130089}" type="datetimeFigureOut">
               <a:rPr lang="en-US" smtClean="0"/>
               <a:pPr/>
-              <a:t>4/7/2016</a:t>
+              <a:t>12/10/2016</a:t>
             </a:fld>
             <a:endParaRPr lang="en-US"/>
           </a:p>
@@ -11007,7 +10608,7 @@
     </p:spTree>
     <p:extLst>
       <p:ext uri="{BB962C8B-B14F-4D97-AF65-F5344CB8AC3E}">
-        <p14:creationId xmlns="" xmlns:p14="http://schemas.microsoft.com/office/powerpoint/2010/main" val="410015344"/>
+        <p14:creationId xmlns:p14="http://schemas.microsoft.com/office/powerpoint/2010/main" xmlns="" val="410015344"/>
       </p:ext>
     </p:extLst>
   </p:cSld>
@@ -11266,10 +10867,10 @@
           <p:nvPr/>
         </p:nvPicPr>
         <p:blipFill>
-          <a:blip r:embed="rId3" cstate="print">
+          <a:blip r:embed="rId3" cstate="email">
             <a:extLst>
               <a:ext uri="{28A0092B-C50C-407E-A947-70E740481C1C}">
-                <a14:useLocalDpi xmlns="" xmlns:a14="http://schemas.microsoft.com/office/drawing/2010/main" val="0"/>
+                <a14:useLocalDpi xmlns:a14="http://schemas.microsoft.com/office/drawing/2010/main" xmlns="" val="0"/>
               </a:ext>
             </a:extLst>
           </a:blip>
@@ -11293,14 +10894,14 @@
           <a:effectLst/>
           <a:extLst>
             <a:ext uri="{909E8E84-426E-40DD-AFC4-6F175D3DCCD1}">
-              <a14:hiddenFill xmlns="" xmlns:a14="http://schemas.microsoft.com/office/drawing/2010/main">
+              <a14:hiddenFill xmlns:a14="http://schemas.microsoft.com/office/drawing/2010/main" xmlns="">
                 <a:solidFill>
                   <a:schemeClr val="accent1"/>
                 </a:solidFill>
               </a14:hiddenFill>
             </a:ext>
             <a:ext uri="{91240B29-F687-4F45-9708-019B960494DF}">
-              <a14:hiddenLine xmlns="" xmlns:a14="http://schemas.microsoft.com/office/drawing/2010/main" w="9525">
+              <a14:hiddenLine xmlns:a14="http://schemas.microsoft.com/office/drawing/2010/main" xmlns="" w="9525">
                 <a:solidFill>
                   <a:schemeClr val="tx1"/>
                 </a:solidFill>
@@ -11310,7 +10911,7 @@
               </a14:hiddenLine>
             </a:ext>
             <a:ext uri="{AF507438-7753-43E0-B8FC-AC1667EBCBE1}">
-              <a14:hiddenEffects xmlns="" xmlns:a14="http://schemas.microsoft.com/office/drawing/2010/main">
+              <a14:hiddenEffects xmlns:a14="http://schemas.microsoft.com/office/drawing/2010/main" xmlns="">
                 <a:effectLst>
                   <a:outerShdw dist="35921" dir="2700000" algn="ctr" rotWithShape="0">
                     <a:schemeClr val="bg2"/>
@@ -11330,10 +10931,10 @@
           <p:nvPr/>
         </p:nvPicPr>
         <p:blipFill>
-          <a:blip r:embed="rId4" cstate="print">
+          <a:blip r:embed="rId4" cstate="email">
             <a:extLst>
               <a:ext uri="{28A0092B-C50C-407E-A947-70E740481C1C}">
-                <a14:useLocalDpi xmlns="" xmlns:a14="http://schemas.microsoft.com/office/drawing/2010/main" val="0"/>
+                <a14:useLocalDpi xmlns:a14="http://schemas.microsoft.com/office/drawing/2010/main" xmlns="" val="0"/>
               </a:ext>
             </a:extLst>
           </a:blip>
@@ -11357,14 +10958,14 @@
           <a:effectLst/>
           <a:extLst>
             <a:ext uri="{909E8E84-426E-40DD-AFC4-6F175D3DCCD1}">
-              <a14:hiddenFill xmlns="" xmlns:a14="http://schemas.microsoft.com/office/drawing/2010/main">
+              <a14:hiddenFill xmlns:a14="http://schemas.microsoft.com/office/drawing/2010/main" xmlns="">
                 <a:solidFill>
                   <a:schemeClr val="accent1"/>
                 </a:solidFill>
               </a14:hiddenFill>
             </a:ext>
             <a:ext uri="{91240B29-F687-4F45-9708-019B960494DF}">
-              <a14:hiddenLine xmlns="" xmlns:a14="http://schemas.microsoft.com/office/drawing/2010/main" w="9525">
+              <a14:hiddenLine xmlns:a14="http://schemas.microsoft.com/office/drawing/2010/main" xmlns="" w="9525">
                 <a:solidFill>
                   <a:schemeClr val="tx1"/>
                 </a:solidFill>
@@ -11374,7 +10975,7 @@
               </a14:hiddenLine>
             </a:ext>
             <a:ext uri="{AF507438-7753-43E0-B8FC-AC1667EBCBE1}">
-              <a14:hiddenEffects xmlns="" xmlns:a14="http://schemas.microsoft.com/office/drawing/2010/main">
+              <a14:hiddenEffects xmlns:a14="http://schemas.microsoft.com/office/drawing/2010/main" xmlns="">
                 <a:effectLst>
                   <a:outerShdw dist="35921" dir="2700000" algn="ctr" rotWithShape="0">
                     <a:schemeClr val="bg2"/>
@@ -11394,10 +10995,10 @@
           <p:nvPr/>
         </p:nvPicPr>
         <p:blipFill>
-          <a:blip r:embed="rId5" cstate="print">
+          <a:blip r:embed="rId5" cstate="email">
             <a:extLst>
               <a:ext uri="{28A0092B-C50C-407E-A947-70E740481C1C}">
-                <a14:useLocalDpi xmlns="" xmlns:a14="http://schemas.microsoft.com/office/drawing/2010/main" val="0"/>
+                <a14:useLocalDpi xmlns:a14="http://schemas.microsoft.com/office/drawing/2010/main" xmlns="" val="0"/>
               </a:ext>
             </a:extLst>
           </a:blip>
@@ -11421,14 +11022,14 @@
           <a:effectLst/>
           <a:extLst>
             <a:ext uri="{909E8E84-426E-40DD-AFC4-6F175D3DCCD1}">
-              <a14:hiddenFill xmlns="" xmlns:a14="http://schemas.microsoft.com/office/drawing/2010/main">
+              <a14:hiddenFill xmlns:a14="http://schemas.microsoft.com/office/drawing/2010/main" xmlns="">
                 <a:solidFill>
                   <a:schemeClr val="accent1"/>
                 </a:solidFill>
               </a14:hiddenFill>
             </a:ext>
             <a:ext uri="{91240B29-F687-4F45-9708-019B960494DF}">
-              <a14:hiddenLine xmlns="" xmlns:a14="http://schemas.microsoft.com/office/drawing/2010/main" w="9525">
+              <a14:hiddenLine xmlns:a14="http://schemas.microsoft.com/office/drawing/2010/main" xmlns="" w="9525">
                 <a:solidFill>
                   <a:schemeClr val="tx1"/>
                 </a:solidFill>
@@ -11438,7 +11039,7 @@
               </a14:hiddenLine>
             </a:ext>
             <a:ext uri="{AF507438-7753-43E0-B8FC-AC1667EBCBE1}">
-              <a14:hiddenEffects xmlns="" xmlns:a14="http://schemas.microsoft.com/office/drawing/2010/main">
+              <a14:hiddenEffects xmlns:a14="http://schemas.microsoft.com/office/drawing/2010/main" xmlns="">
                 <a:effectLst>
                   <a:outerShdw dist="35921" dir="2700000" algn="ctr" rotWithShape="0">
                     <a:schemeClr val="bg2"/>
@@ -11765,7 +11366,7 @@
     </p:spTree>
     <p:extLst>
       <p:ext uri="{BB962C8B-B14F-4D97-AF65-F5344CB8AC3E}">
-        <p14:creationId xmlns="" xmlns:p14="http://schemas.microsoft.com/office/powerpoint/2010/main" val="4031414750"/>
+        <p14:creationId xmlns:p14="http://schemas.microsoft.com/office/powerpoint/2010/main" xmlns="" val="4031414750"/>
       </p:ext>
     </p:extLst>
   </p:cSld>
@@ -11773,7 +11374,7 @@
     <a:masterClrMapping/>
   </p:clrMapOvr>
   <mc:AlternateContent xmlns:mc="http://schemas.openxmlformats.org/markup-compatibility/2006">
-    <mc:Choice xmlns="" xmlns:p14="http://schemas.microsoft.com/office/powerpoint/2010/main" Requires="p14">
+    <mc:Choice xmlns:p14="http://schemas.microsoft.com/office/powerpoint/2010/main" xmlns="" Requires="p14">
       <p:transition p14:dur="10"/>
     </mc:Choice>
     <mc:Fallback>
@@ -12218,10 +11819,10 @@
             <p:nvPr/>
           </p:nvPicPr>
           <p:blipFill>
-            <a:blip r:embed="rId3" cstate="print">
+            <a:blip r:embed="rId3" cstate="email">
               <a:extLst>
                 <a:ext uri="{28A0092B-C50C-407E-A947-70E740481C1C}">
-                  <a14:useLocalDpi xmlns="" xmlns:a14="http://schemas.microsoft.com/office/drawing/2010/main" val="0"/>
+                  <a14:useLocalDpi xmlns:a14="http://schemas.microsoft.com/office/drawing/2010/main" xmlns="" val="0"/>
                 </a:ext>
               </a:extLst>
             </a:blip>
@@ -12245,14 +11846,14 @@
             <a:effectLst/>
             <a:extLst>
               <a:ext uri="{909E8E84-426E-40DD-AFC4-6F175D3DCCD1}">
-                <a14:hiddenFill xmlns="" xmlns:a14="http://schemas.microsoft.com/office/drawing/2010/main">
+                <a14:hiddenFill xmlns:a14="http://schemas.microsoft.com/office/drawing/2010/main" xmlns="">
                   <a:solidFill>
                     <a:schemeClr val="accent1"/>
                   </a:solidFill>
                 </a14:hiddenFill>
               </a:ext>
               <a:ext uri="{91240B29-F687-4F45-9708-019B960494DF}">
-                <a14:hiddenLine xmlns="" xmlns:a14="http://schemas.microsoft.com/office/drawing/2010/main" w="9525">
+                <a14:hiddenLine xmlns:a14="http://schemas.microsoft.com/office/drawing/2010/main" xmlns="" w="9525">
                   <a:solidFill>
                     <a:schemeClr val="tx1"/>
                   </a:solidFill>
@@ -12262,7 +11863,7 @@
                 </a14:hiddenLine>
               </a:ext>
               <a:ext uri="{AF507438-7753-43E0-B8FC-AC1667EBCBE1}">
-                <a14:hiddenEffects xmlns="" xmlns:a14="http://schemas.microsoft.com/office/drawing/2010/main">
+                <a14:hiddenEffects xmlns:a14="http://schemas.microsoft.com/office/drawing/2010/main" xmlns="">
                   <a:effectLst>
                     <a:outerShdw dist="35921" dir="2700000" algn="ctr" rotWithShape="0">
                       <a:schemeClr val="bg2"/>
@@ -12324,10 +11925,10 @@
           <p:nvPr/>
         </p:nvPicPr>
         <p:blipFill>
-          <a:blip r:embed="rId4" cstate="print">
+          <a:blip r:embed="rId4" cstate="email">
             <a:extLst>
               <a:ext uri="{28A0092B-C50C-407E-A947-70E740481C1C}">
-                <a14:useLocalDpi xmlns="" xmlns:a14="http://schemas.microsoft.com/office/drawing/2010/main" val="0"/>
+                <a14:useLocalDpi xmlns:a14="http://schemas.microsoft.com/office/drawing/2010/main" xmlns="" val="0"/>
               </a:ext>
             </a:extLst>
           </a:blip>
@@ -12351,14 +11952,14 @@
           <a:effectLst/>
           <a:extLst>
             <a:ext uri="{909E8E84-426E-40DD-AFC4-6F175D3DCCD1}">
-              <a14:hiddenFill xmlns="" xmlns:a14="http://schemas.microsoft.com/office/drawing/2010/main">
+              <a14:hiddenFill xmlns:a14="http://schemas.microsoft.com/office/drawing/2010/main" xmlns="">
                 <a:solidFill>
                   <a:schemeClr val="accent1"/>
                 </a:solidFill>
               </a14:hiddenFill>
             </a:ext>
             <a:ext uri="{91240B29-F687-4F45-9708-019B960494DF}">
-              <a14:hiddenLine xmlns="" xmlns:a14="http://schemas.microsoft.com/office/drawing/2010/main" w="9525">
+              <a14:hiddenLine xmlns:a14="http://schemas.microsoft.com/office/drawing/2010/main" xmlns="" w="9525">
                 <a:solidFill>
                   <a:schemeClr val="tx1"/>
                 </a:solidFill>
@@ -12368,7 +11969,7 @@
               </a14:hiddenLine>
             </a:ext>
             <a:ext uri="{AF507438-7753-43E0-B8FC-AC1667EBCBE1}">
-              <a14:hiddenEffects xmlns="" xmlns:a14="http://schemas.microsoft.com/office/drawing/2010/main">
+              <a14:hiddenEffects xmlns:a14="http://schemas.microsoft.com/office/drawing/2010/main" xmlns="">
                 <a:effectLst>
                   <a:outerShdw dist="35921" dir="2700000" algn="ctr" rotWithShape="0">
                     <a:schemeClr val="bg2"/>
@@ -12382,7 +11983,7 @@
     </p:spTree>
     <p:extLst>
       <p:ext uri="{BB962C8B-B14F-4D97-AF65-F5344CB8AC3E}">
-        <p14:creationId xmlns="" xmlns:p14="http://schemas.microsoft.com/office/powerpoint/2010/main" val="1256431860"/>
+        <p14:creationId xmlns:p14="http://schemas.microsoft.com/office/powerpoint/2010/main" xmlns="" val="1256431860"/>
       </p:ext>
     </p:extLst>
   </p:cSld>
@@ -12390,7 +11991,7 @@
     <a:masterClrMapping/>
   </p:clrMapOvr>
   <mc:AlternateContent xmlns:mc="http://schemas.openxmlformats.org/markup-compatibility/2006">
-    <mc:Choice xmlns="" xmlns:p14="http://schemas.microsoft.com/office/powerpoint/2010/main" Requires="p14">
+    <mc:Choice xmlns:p14="http://schemas.microsoft.com/office/powerpoint/2010/main" xmlns="" Requires="p14">
       <p:transition p14:dur="0"/>
     </mc:Choice>
     <mc:Fallback>
@@ -12597,7 +12198,7 @@
           <p:nvPr>
             <p:extLst>
               <p:ext uri="{D42A27DB-BD31-4B8C-83A1-F6EECF244321}">
-                <p14:modId xmlns="" xmlns:p14="http://schemas.microsoft.com/office/powerpoint/2010/main" val="759996457"/>
+                <p14:modId xmlns:p14="http://schemas.microsoft.com/office/powerpoint/2010/main" xmlns="" val="759996457"/>
               </p:ext>
             </p:extLst>
           </p:nvPr>
@@ -12775,10 +12376,10 @@
           <p:nvPr/>
         </p:nvPicPr>
         <p:blipFill>
-          <a:blip r:embed="rId8" cstate="print">
+          <a:blip r:embed="rId8" cstate="email">
             <a:extLst>
               <a:ext uri="{28A0092B-C50C-407E-A947-70E740481C1C}">
-                <a14:useLocalDpi xmlns="" xmlns:a14="http://schemas.microsoft.com/office/drawing/2010/main" val="0"/>
+                <a14:useLocalDpi xmlns:a14="http://schemas.microsoft.com/office/drawing/2010/main" xmlns="" val="0"/>
               </a:ext>
             </a:extLst>
           </a:blip>
@@ -12798,7 +12399,7 @@
           <a:noFill/>
           <a:extLst>
             <a:ext uri="{909E8E84-426E-40DD-AFC4-6F175D3DCCD1}">
-              <a14:hiddenFill xmlns="" xmlns:a14="http://schemas.microsoft.com/office/drawing/2010/main">
+              <a14:hiddenFill xmlns:a14="http://schemas.microsoft.com/office/drawing/2010/main" xmlns="">
                 <a:solidFill>
                   <a:srgbClr val="FFFFFF"/>
                 </a:solidFill>
@@ -12816,10 +12417,10 @@
           <p:nvPr/>
         </p:nvPicPr>
         <p:blipFill>
-          <a:blip r:embed="rId9" cstate="print">
+          <a:blip r:embed="rId9" cstate="email">
             <a:extLst>
               <a:ext uri="{28A0092B-C50C-407E-A947-70E740481C1C}">
-                <a14:useLocalDpi xmlns="" xmlns:a14="http://schemas.microsoft.com/office/drawing/2010/main" val="0"/>
+                <a14:useLocalDpi xmlns:a14="http://schemas.microsoft.com/office/drawing/2010/main" xmlns="" val="0"/>
               </a:ext>
             </a:extLst>
           </a:blip>
@@ -12843,14 +12444,14 @@
           <a:effectLst/>
           <a:extLst>
             <a:ext uri="{909E8E84-426E-40DD-AFC4-6F175D3DCCD1}">
-              <a14:hiddenFill xmlns="" xmlns:a14="http://schemas.microsoft.com/office/drawing/2010/main">
+              <a14:hiddenFill xmlns:a14="http://schemas.microsoft.com/office/drawing/2010/main" xmlns="">
                 <a:solidFill>
                   <a:schemeClr val="accent1"/>
                 </a:solidFill>
               </a14:hiddenFill>
             </a:ext>
             <a:ext uri="{91240B29-F687-4F45-9708-019B960494DF}">
-              <a14:hiddenLine xmlns="" xmlns:a14="http://schemas.microsoft.com/office/drawing/2010/main" w="9525">
+              <a14:hiddenLine xmlns:a14="http://schemas.microsoft.com/office/drawing/2010/main" xmlns="" w="9525">
                 <a:solidFill>
                   <a:schemeClr val="tx1"/>
                 </a:solidFill>
@@ -12860,7 +12461,7 @@
               </a14:hiddenLine>
             </a:ext>
             <a:ext uri="{AF507438-7753-43E0-B8FC-AC1667EBCBE1}">
-              <a14:hiddenEffects xmlns="" xmlns:a14="http://schemas.microsoft.com/office/drawing/2010/main">
+              <a14:hiddenEffects xmlns:a14="http://schemas.microsoft.com/office/drawing/2010/main" xmlns="">
                 <a:effectLst>
                   <a:outerShdw dist="35921" dir="2700000" algn="ctr" rotWithShape="0">
                     <a:schemeClr val="bg2"/>
@@ -12926,7 +12527,7 @@
     </p:spTree>
     <p:extLst>
       <p:ext uri="{BB962C8B-B14F-4D97-AF65-F5344CB8AC3E}">
-        <p14:creationId xmlns="" xmlns:p14="http://schemas.microsoft.com/office/powerpoint/2010/main" val="2050534564"/>
+        <p14:creationId xmlns:p14="http://schemas.microsoft.com/office/powerpoint/2010/main" xmlns="" val="2050534564"/>
       </p:ext>
     </p:extLst>
   </p:cSld>
@@ -12934,7 +12535,7 @@
     <a:masterClrMapping/>
   </p:clrMapOvr>
   <mc:AlternateContent xmlns:mc="http://schemas.openxmlformats.org/markup-compatibility/2006">
-    <mc:Choice xmlns="" xmlns:p14="http://schemas.microsoft.com/office/powerpoint/2010/main" Requires="p14">
+    <mc:Choice xmlns:p14="http://schemas.microsoft.com/office/powerpoint/2010/main" xmlns="" Requires="p14">
       <p:transition p14:dur="10"/>
     </mc:Choice>
     <mc:Fallback>
@@ -13287,10 +12888,10 @@
             <p:nvPr/>
           </p:nvPicPr>
           <p:blipFill>
-            <a:blip r:embed="rId3" cstate="print">
+            <a:blip r:embed="rId3" cstate="email">
               <a:extLst>
                 <a:ext uri="{28A0092B-C50C-407E-A947-70E740481C1C}">
-                  <a14:useLocalDpi xmlns="" xmlns:a14="http://schemas.microsoft.com/office/drawing/2010/main" val="0"/>
+                  <a14:useLocalDpi xmlns:a14="http://schemas.microsoft.com/office/drawing/2010/main" xmlns="" val="0"/>
                 </a:ext>
               </a:extLst>
             </a:blip>
@@ -13314,14 +12915,14 @@
             <a:effectLst/>
             <a:extLst>
               <a:ext uri="{909E8E84-426E-40DD-AFC4-6F175D3DCCD1}">
-                <a14:hiddenFill xmlns="" xmlns:a14="http://schemas.microsoft.com/office/drawing/2010/main">
+                <a14:hiddenFill xmlns:a14="http://schemas.microsoft.com/office/drawing/2010/main" xmlns="">
                   <a:solidFill>
                     <a:schemeClr val="accent1"/>
                   </a:solidFill>
                 </a14:hiddenFill>
               </a:ext>
               <a:ext uri="{91240B29-F687-4F45-9708-019B960494DF}">
-                <a14:hiddenLine xmlns="" xmlns:a14="http://schemas.microsoft.com/office/drawing/2010/main" w="9525">
+                <a14:hiddenLine xmlns:a14="http://schemas.microsoft.com/office/drawing/2010/main" xmlns="" w="9525">
                   <a:solidFill>
                     <a:schemeClr val="tx1"/>
                   </a:solidFill>
@@ -13331,7 +12932,7 @@
                 </a14:hiddenLine>
               </a:ext>
               <a:ext uri="{AF507438-7753-43E0-B8FC-AC1667EBCBE1}">
-                <a14:hiddenEffects xmlns="" xmlns:a14="http://schemas.microsoft.com/office/drawing/2010/main">
+                <a14:hiddenEffects xmlns:a14="http://schemas.microsoft.com/office/drawing/2010/main" xmlns="">
                   <a:effectLst>
                     <a:outerShdw dist="35921" dir="2700000" algn="ctr" rotWithShape="0">
                       <a:schemeClr val="bg2"/>
@@ -13394,7 +12995,7 @@
     </p:spTree>
     <p:extLst>
       <p:ext uri="{BB962C8B-B14F-4D97-AF65-F5344CB8AC3E}">
-        <p14:creationId xmlns="" xmlns:p14="http://schemas.microsoft.com/office/powerpoint/2010/main" val="2748982568"/>
+        <p14:creationId xmlns:p14="http://schemas.microsoft.com/office/powerpoint/2010/main" xmlns="" val="2748982568"/>
       </p:ext>
     </p:extLst>
   </p:cSld>
@@ -13402,7 +13003,7 @@
     <a:masterClrMapping/>
   </p:clrMapOvr>
   <mc:AlternateContent xmlns:mc="http://schemas.openxmlformats.org/markup-compatibility/2006">
-    <mc:Choice xmlns="" xmlns:p14="http://schemas.microsoft.com/office/powerpoint/2010/main" Requires="p14">
+    <mc:Choice xmlns:p14="http://schemas.microsoft.com/office/powerpoint/2010/main" xmlns="" Requires="p14">
       <p:transition p14:dur="10"/>
     </mc:Choice>
     <mc:Fallback>
@@ -13598,10 +13199,10 @@
           <p:nvPr/>
         </p:nvPicPr>
         <p:blipFill>
-          <a:blip r:embed="rId3" cstate="print">
+          <a:blip r:embed="rId3" cstate="email">
             <a:extLst>
               <a:ext uri="{28A0092B-C50C-407E-A947-70E740481C1C}">
-                <a14:useLocalDpi xmlns="" xmlns:a14="http://schemas.microsoft.com/office/drawing/2010/main" val="0"/>
+                <a14:useLocalDpi xmlns:a14="http://schemas.microsoft.com/office/drawing/2010/main" xmlns="" val="0"/>
               </a:ext>
             </a:extLst>
           </a:blip>
@@ -13625,14 +13226,14 @@
           <a:effectLst/>
           <a:extLst>
             <a:ext uri="{909E8E84-426E-40DD-AFC4-6F175D3DCCD1}">
-              <a14:hiddenFill xmlns="" xmlns:a14="http://schemas.microsoft.com/office/drawing/2010/main">
+              <a14:hiddenFill xmlns:a14="http://schemas.microsoft.com/office/drawing/2010/main" xmlns="">
                 <a:solidFill>
                   <a:schemeClr val="accent1"/>
                 </a:solidFill>
               </a14:hiddenFill>
             </a:ext>
             <a:ext uri="{91240B29-F687-4F45-9708-019B960494DF}">
-              <a14:hiddenLine xmlns="" xmlns:a14="http://schemas.microsoft.com/office/drawing/2010/main" w="9525">
+              <a14:hiddenLine xmlns:a14="http://schemas.microsoft.com/office/drawing/2010/main" xmlns="" w="9525">
                 <a:solidFill>
                   <a:schemeClr val="tx1"/>
                 </a:solidFill>
@@ -13642,7 +13243,7 @@
               </a14:hiddenLine>
             </a:ext>
             <a:ext uri="{AF507438-7753-43E0-B8FC-AC1667EBCBE1}">
-              <a14:hiddenEffects xmlns="" xmlns:a14="http://schemas.microsoft.com/office/drawing/2010/main">
+              <a14:hiddenEffects xmlns:a14="http://schemas.microsoft.com/office/drawing/2010/main" xmlns="">
                 <a:effectLst>
                   <a:outerShdw dist="35921" dir="2700000" algn="ctr" rotWithShape="0">
                     <a:schemeClr val="bg2"/>
@@ -13770,7 +13371,7 @@
     </p:spTree>
     <p:extLst>
       <p:ext uri="{BB962C8B-B14F-4D97-AF65-F5344CB8AC3E}">
-        <p14:creationId xmlns="" xmlns:p14="http://schemas.microsoft.com/office/powerpoint/2010/main" val="3520720441"/>
+        <p14:creationId xmlns:p14="http://schemas.microsoft.com/office/powerpoint/2010/main" xmlns="" val="3520720441"/>
       </p:ext>
     </p:extLst>
   </p:cSld>
@@ -13778,7 +13379,7 @@
     <a:masterClrMapping/>
   </p:clrMapOvr>
   <mc:AlternateContent xmlns:mc="http://schemas.openxmlformats.org/markup-compatibility/2006">
-    <mc:Choice xmlns="" xmlns:p14="http://schemas.microsoft.com/office/powerpoint/2010/main" Requires="p14">
+    <mc:Choice xmlns:p14="http://schemas.microsoft.com/office/powerpoint/2010/main" xmlns="" Requires="p14">
       <p:transition p14:dur="10"/>
     </mc:Choice>
     <mc:Fallback>
@@ -14039,13 +13640,6 @@
               </a:rPr>
               <a:t> folder called “python”</a:t>
             </a:r>
-            <a:endParaRPr lang="en-GB" sz="2800" dirty="0" smtClean="0">
-              <a:solidFill>
-                <a:srgbClr val="990000"/>
-              </a:solidFill>
-              <a:latin typeface="Calibri" pitchFamily="34" charset="0"/>
-              <a:cs typeface="Calibri" pitchFamily="34" charset="0"/>
-            </a:endParaRPr>
           </a:p>
           <a:p>
             <a:r>
@@ -14116,16 +13710,6 @@
               </a:rPr>
               <a:t>E.g. Fred_smith_python.docx</a:t>
             </a:r>
-            <a:endParaRPr lang="en-GB" sz="2400" dirty="0" smtClean="0">
-              <a:solidFill>
-                <a:schemeClr val="tx1">
-                  <a:lumMod val="65000"/>
-                  <a:lumOff val="35000"/>
-                </a:schemeClr>
-              </a:solidFill>
-              <a:latin typeface="Calibri" pitchFamily="34" charset="0"/>
-              <a:cs typeface="Calibri" pitchFamily="34" charset="0"/>
-            </a:endParaRPr>
           </a:p>
           <a:p>
             <a:r>
@@ -14220,16 +13804,6 @@
               </a:rPr>
               <a:t>Just keep adding to the end of the document for each program you get working/or not</a:t>
             </a:r>
-            <a:endParaRPr lang="en-GB" sz="2800" dirty="0" smtClean="0">
-              <a:solidFill>
-                <a:schemeClr val="tx1">
-                  <a:lumMod val="65000"/>
-                  <a:lumOff val="35000"/>
-                </a:schemeClr>
-              </a:solidFill>
-              <a:latin typeface="Calibri" pitchFamily="34" charset="0"/>
-              <a:cs typeface="Calibri" pitchFamily="34" charset="0"/>
-            </a:endParaRPr>
           </a:p>
           <a:p>
             <a:endParaRPr lang="en-GB" dirty="0" smtClean="0">
@@ -14285,7 +13859,7 @@
     </p:spTree>
     <p:extLst>
       <p:ext uri="{BB962C8B-B14F-4D97-AF65-F5344CB8AC3E}">
-        <p14:creationId xmlns="" xmlns:p14="http://schemas.microsoft.com/office/powerpoint/2010/main" val="3520720441"/>
+        <p14:creationId xmlns:p14="http://schemas.microsoft.com/office/powerpoint/2010/main" xmlns="" val="3520720441"/>
       </p:ext>
     </p:extLst>
   </p:cSld>
@@ -14293,7 +13867,7 @@
     <a:masterClrMapping/>
   </p:clrMapOvr>
   <mc:AlternateContent xmlns:mc="http://schemas.openxmlformats.org/markup-compatibility/2006">
-    <mc:Choice xmlns="" xmlns:p14="http://schemas.microsoft.com/office/powerpoint/2010/main" Requires="p14">
+    <mc:Choice xmlns:p14="http://schemas.microsoft.com/office/powerpoint/2010/main" xmlns="" Requires="p14">
       <p:transition p14:dur="10"/>
     </mc:Choice>
     <mc:Fallback>
@@ -14397,8 +13971,8 @@
           <p:nvPr/>
         </p:nvPicPr>
         <p:blipFill>
-          <a:blip r:embed="rId3" cstate="print"/>
-          <a:srcRect l="1933" t="4547" r="57666" b="6250"/>
+          <a:blip r:embed="rId3" cstate="email"/>
+          <a:srcRect/>
           <a:stretch>
             <a:fillRect/>
           </a:stretch>
@@ -14431,7 +14005,7 @@
     </p:spTree>
     <p:extLst>
       <p:ext uri="{BB962C8B-B14F-4D97-AF65-F5344CB8AC3E}">
-        <p14:creationId xmlns="" xmlns:p14="http://schemas.microsoft.com/office/powerpoint/2010/main" val="3520720441"/>
+        <p14:creationId xmlns:p14="http://schemas.microsoft.com/office/powerpoint/2010/main" xmlns="" val="3520720441"/>
       </p:ext>
     </p:extLst>
   </p:cSld>
@@ -14439,7 +14013,7 @@
     <a:masterClrMapping/>
   </p:clrMapOvr>
   <mc:AlternateContent xmlns:mc="http://schemas.openxmlformats.org/markup-compatibility/2006">
-    <mc:Choice xmlns="" xmlns:p14="http://schemas.microsoft.com/office/powerpoint/2010/main" Requires="p14">
+    <mc:Choice xmlns:p14="http://schemas.microsoft.com/office/powerpoint/2010/main" xmlns="" Requires="p14">
       <p:transition p14:dur="10"/>
     </mc:Choice>
     <mc:Fallback>
@@ -14688,7 +14262,7 @@
     </p:spTree>
     <p:extLst>
       <p:ext uri="{BB962C8B-B14F-4D97-AF65-F5344CB8AC3E}">
-        <p14:creationId xmlns="" xmlns:p14="http://schemas.microsoft.com/office/powerpoint/2010/main" val="745566479"/>
+        <p14:creationId xmlns:p14="http://schemas.microsoft.com/office/powerpoint/2010/main" xmlns="" val="745566479"/>
       </p:ext>
     </p:extLst>
   </p:cSld>
@@ -14696,7 +14270,7 @@
     <a:masterClrMapping/>
   </p:clrMapOvr>
   <mc:AlternateContent xmlns:mc="http://schemas.openxmlformats.org/markup-compatibility/2006">
-    <mc:Choice xmlns="" xmlns:p14="http://schemas.microsoft.com/office/powerpoint/2010/main" Requires="p14">
+    <mc:Choice xmlns:p14="http://schemas.microsoft.com/office/powerpoint/2010/main" xmlns="" Requires="p14">
       <p:transition p14:dur="10"/>
     </mc:Choice>
     <mc:Fallback>
@@ -15044,10 +14618,10 @@
           <p:nvPr/>
         </p:nvPicPr>
         <p:blipFill>
-          <a:blip r:embed="rId3" cstate="print">
+          <a:blip r:embed="rId3" cstate="email">
             <a:extLst>
               <a:ext uri="{28A0092B-C50C-407E-A947-70E740481C1C}">
-                <a14:useLocalDpi xmlns="" xmlns:a14="http://schemas.microsoft.com/office/drawing/2010/main" val="0"/>
+                <a14:useLocalDpi xmlns:a14="http://schemas.microsoft.com/office/drawing/2010/main" xmlns="" val="0"/>
               </a:ext>
             </a:extLst>
           </a:blip>
@@ -15071,14 +14645,14 @@
           <a:effectLst/>
           <a:extLst>
             <a:ext uri="{909E8E84-426E-40DD-AFC4-6F175D3DCCD1}">
-              <a14:hiddenFill xmlns="" xmlns:a14="http://schemas.microsoft.com/office/drawing/2010/main">
+              <a14:hiddenFill xmlns:a14="http://schemas.microsoft.com/office/drawing/2010/main" xmlns="">
                 <a:solidFill>
                   <a:schemeClr val="accent1"/>
                 </a:solidFill>
               </a14:hiddenFill>
             </a:ext>
             <a:ext uri="{91240B29-F687-4F45-9708-019B960494DF}">
-              <a14:hiddenLine xmlns="" xmlns:a14="http://schemas.microsoft.com/office/drawing/2010/main" w="9525">
+              <a14:hiddenLine xmlns:a14="http://schemas.microsoft.com/office/drawing/2010/main" xmlns="" w="9525">
                 <a:solidFill>
                   <a:schemeClr val="tx1"/>
                 </a:solidFill>
@@ -15088,7 +14662,7 @@
               </a14:hiddenLine>
             </a:ext>
             <a:ext uri="{AF507438-7753-43E0-B8FC-AC1667EBCBE1}">
-              <a14:hiddenEffects xmlns="" xmlns:a14="http://schemas.microsoft.com/office/drawing/2010/main">
+              <a14:hiddenEffects xmlns:a14="http://schemas.microsoft.com/office/drawing/2010/main" xmlns="">
                 <a:effectLst>
                   <a:outerShdw dist="35921" dir="2700000" algn="ctr" rotWithShape="0">
                     <a:schemeClr val="bg2"/>
@@ -15102,7 +14676,7 @@
     </p:spTree>
     <p:extLst>
       <p:ext uri="{BB962C8B-B14F-4D97-AF65-F5344CB8AC3E}">
-        <p14:creationId xmlns="" xmlns:p14="http://schemas.microsoft.com/office/powerpoint/2010/main" val="3017269996"/>
+        <p14:creationId xmlns:p14="http://schemas.microsoft.com/office/powerpoint/2010/main" xmlns="" val="3017269996"/>
       </p:ext>
     </p:extLst>
   </p:cSld>
@@ -15110,7 +14684,7 @@
     <a:masterClrMapping/>
   </p:clrMapOvr>
   <mc:AlternateContent xmlns:mc="http://schemas.openxmlformats.org/markup-compatibility/2006">
-    <mc:Choice xmlns="" xmlns:p14="http://schemas.microsoft.com/office/powerpoint/2010/main" Requires="p14">
+    <mc:Choice xmlns:p14="http://schemas.microsoft.com/office/powerpoint/2010/main" xmlns="" Requires="p14">
       <p:transition p14:dur="10"/>
     </mc:Choice>
     <mc:Fallback>
@@ -15291,10 +14865,10 @@
           <p:nvPr/>
         </p:nvPicPr>
         <p:blipFill>
-          <a:blip r:embed="rId3" cstate="print">
+          <a:blip r:embed="rId3" cstate="email">
             <a:extLst>
               <a:ext uri="{28A0092B-C50C-407E-A947-70E740481C1C}">
-                <a14:useLocalDpi xmlns="" xmlns:a14="http://schemas.microsoft.com/office/drawing/2010/main" val="0"/>
+                <a14:useLocalDpi xmlns:a14="http://schemas.microsoft.com/office/drawing/2010/main" xmlns="" val="0"/>
               </a:ext>
             </a:extLst>
           </a:blip>
@@ -15318,14 +14892,14 @@
           <a:effectLst/>
           <a:extLst>
             <a:ext uri="{909E8E84-426E-40DD-AFC4-6F175D3DCCD1}">
-              <a14:hiddenFill xmlns="" xmlns:a14="http://schemas.microsoft.com/office/drawing/2010/main">
+              <a14:hiddenFill xmlns:a14="http://schemas.microsoft.com/office/drawing/2010/main" xmlns="">
                 <a:solidFill>
                   <a:schemeClr val="accent1"/>
                 </a:solidFill>
               </a14:hiddenFill>
             </a:ext>
             <a:ext uri="{91240B29-F687-4F45-9708-019B960494DF}">
-              <a14:hiddenLine xmlns="" xmlns:a14="http://schemas.microsoft.com/office/drawing/2010/main" w="9525">
+              <a14:hiddenLine xmlns:a14="http://schemas.microsoft.com/office/drawing/2010/main" xmlns="" w="9525">
                 <a:solidFill>
                   <a:schemeClr val="tx1"/>
                 </a:solidFill>
@@ -15335,7 +14909,7 @@
               </a14:hiddenLine>
             </a:ext>
             <a:ext uri="{AF507438-7753-43E0-B8FC-AC1667EBCBE1}">
-              <a14:hiddenEffects xmlns="" xmlns:a14="http://schemas.microsoft.com/office/drawing/2010/main">
+              <a14:hiddenEffects xmlns:a14="http://schemas.microsoft.com/office/drawing/2010/main" xmlns="">
                 <a:effectLst>
                   <a:outerShdw dist="35921" dir="2700000" algn="ctr" rotWithShape="0">
                     <a:schemeClr val="bg2"/>
@@ -15353,7 +14927,7 @@
           <p:nvPr>
             <p:extLst>
               <p:ext uri="{D42A27DB-BD31-4B8C-83A1-F6EECF244321}">
-                <p14:modId xmlns="" xmlns:p14="http://schemas.microsoft.com/office/powerpoint/2010/main" val="2399593480"/>
+                <p14:modId xmlns:p14="http://schemas.microsoft.com/office/powerpoint/2010/main" xmlns="" val="2399593480"/>
               </p:ext>
             </p:extLst>
           </p:nvPr>
@@ -15494,10 +15068,10 @@
           <p:nvPr/>
         </p:nvPicPr>
         <p:blipFill>
-          <a:blip r:embed="rId9" cstate="print">
+          <a:blip r:embed="rId9" cstate="email">
             <a:extLst>
               <a:ext uri="{28A0092B-C50C-407E-A947-70E740481C1C}">
-                <a14:useLocalDpi xmlns="" xmlns:a14="http://schemas.microsoft.com/office/drawing/2010/main" val="0"/>
+                <a14:useLocalDpi xmlns:a14="http://schemas.microsoft.com/office/drawing/2010/main" xmlns="" val="0"/>
               </a:ext>
             </a:extLst>
           </a:blip>
@@ -15517,7 +15091,7 @@
           <a:noFill/>
           <a:extLst>
             <a:ext uri="{909E8E84-426E-40DD-AFC4-6F175D3DCCD1}">
-              <a14:hiddenFill xmlns="" xmlns:a14="http://schemas.microsoft.com/office/drawing/2010/main">
+              <a14:hiddenFill xmlns:a14="http://schemas.microsoft.com/office/drawing/2010/main" xmlns="">
                 <a:solidFill>
                   <a:srgbClr val="FFFFFF"/>
                 </a:solidFill>
@@ -15529,7 +15103,7 @@
     </p:spTree>
     <p:extLst>
       <p:ext uri="{BB962C8B-B14F-4D97-AF65-F5344CB8AC3E}">
-        <p14:creationId xmlns="" xmlns:p14="http://schemas.microsoft.com/office/powerpoint/2010/main" val="1629904984"/>
+        <p14:creationId xmlns:p14="http://schemas.microsoft.com/office/powerpoint/2010/main" xmlns="" val="1629904984"/>
       </p:ext>
     </p:extLst>
   </p:cSld>
@@ -15537,7 +15111,7 @@
     <a:masterClrMapping/>
   </p:clrMapOvr>
   <mc:AlternateContent xmlns:mc="http://schemas.openxmlformats.org/markup-compatibility/2006">
-    <mc:Choice xmlns="" xmlns:p14="http://schemas.microsoft.com/office/powerpoint/2010/main" Requires="p14">
+    <mc:Choice xmlns:p14="http://schemas.microsoft.com/office/powerpoint/2010/main" xmlns="" Requires="p14">
       <p:transition p14:dur="10"/>
     </mc:Choice>
     <mc:Fallback>
@@ -16028,7 +15602,7 @@
     </p:spTree>
     <p:extLst>
       <p:ext uri="{BB962C8B-B14F-4D97-AF65-F5344CB8AC3E}">
-        <p14:creationId xmlns="" xmlns:p14="http://schemas.microsoft.com/office/powerpoint/2010/main" val="426064449"/>
+        <p14:creationId xmlns:p14="http://schemas.microsoft.com/office/powerpoint/2010/main" xmlns="" val="426064449"/>
       </p:ext>
     </p:extLst>
   </p:cSld>
@@ -16184,10 +15758,10 @@
           <p:nvPr/>
         </p:nvPicPr>
         <p:blipFill>
-          <a:blip r:embed="rId3" cstate="print">
+          <a:blip r:embed="rId3" cstate="email">
             <a:extLst>
               <a:ext uri="{28A0092B-C50C-407E-A947-70E740481C1C}">
-                <a14:useLocalDpi xmlns="" xmlns:a14="http://schemas.microsoft.com/office/drawing/2010/main" val="0"/>
+                <a14:useLocalDpi xmlns:a14="http://schemas.microsoft.com/office/drawing/2010/main" xmlns="" val="0"/>
               </a:ext>
             </a:extLst>
           </a:blip>
@@ -16211,14 +15785,14 @@
           <a:effectLst/>
           <a:extLst>
             <a:ext uri="{909E8E84-426E-40DD-AFC4-6F175D3DCCD1}">
-              <a14:hiddenFill xmlns="" xmlns:a14="http://schemas.microsoft.com/office/drawing/2010/main">
+              <a14:hiddenFill xmlns:a14="http://schemas.microsoft.com/office/drawing/2010/main" xmlns="">
                 <a:solidFill>
                   <a:schemeClr val="accent1"/>
                 </a:solidFill>
               </a14:hiddenFill>
             </a:ext>
             <a:ext uri="{91240B29-F687-4F45-9708-019B960494DF}">
-              <a14:hiddenLine xmlns="" xmlns:a14="http://schemas.microsoft.com/office/drawing/2010/main" w="9525">
+              <a14:hiddenLine xmlns:a14="http://schemas.microsoft.com/office/drawing/2010/main" xmlns="" w="9525">
                 <a:solidFill>
                   <a:schemeClr val="tx1"/>
                 </a:solidFill>
@@ -16228,7 +15802,7 @@
               </a14:hiddenLine>
             </a:ext>
             <a:ext uri="{AF507438-7753-43E0-B8FC-AC1667EBCBE1}">
-              <a14:hiddenEffects xmlns="" xmlns:a14="http://schemas.microsoft.com/office/drawing/2010/main">
+              <a14:hiddenEffects xmlns:a14="http://schemas.microsoft.com/office/drawing/2010/main" xmlns="">
                 <a:effectLst>
                   <a:outerShdw dist="35921" dir="2700000" algn="ctr" rotWithShape="0">
                     <a:schemeClr val="bg2"/>
@@ -16242,7 +15816,7 @@
     </p:spTree>
     <p:extLst>
       <p:ext uri="{BB962C8B-B14F-4D97-AF65-F5344CB8AC3E}">
-        <p14:creationId xmlns="" xmlns:p14="http://schemas.microsoft.com/office/powerpoint/2010/main" val="3727921065"/>
+        <p14:creationId xmlns:p14="http://schemas.microsoft.com/office/powerpoint/2010/main" xmlns="" val="3727921065"/>
       </p:ext>
     </p:extLst>
   </p:cSld>
@@ -16250,7 +15824,7 @@
     <a:masterClrMapping/>
   </p:clrMapOvr>
   <mc:AlternateContent xmlns:mc="http://schemas.openxmlformats.org/markup-compatibility/2006">
-    <mc:Choice xmlns="" xmlns:p14="http://schemas.microsoft.com/office/powerpoint/2010/main" Requires="p14">
+    <mc:Choice xmlns:p14="http://schemas.microsoft.com/office/powerpoint/2010/main" xmlns="" Requires="p14">
       <p:transition p14:dur="10"/>
     </mc:Choice>
     <mc:Fallback>
@@ -16479,7 +16053,7 @@
     </p:spTree>
     <p:extLst>
       <p:ext uri="{BB962C8B-B14F-4D97-AF65-F5344CB8AC3E}">
-        <p14:creationId xmlns="" xmlns:p14="http://schemas.microsoft.com/office/powerpoint/2010/main" val="4189856136"/>
+        <p14:creationId xmlns:p14="http://schemas.microsoft.com/office/powerpoint/2010/main" xmlns="" val="4189856136"/>
       </p:ext>
     </p:extLst>
   </p:cSld>
@@ -16487,7 +16061,7 @@
     <a:masterClrMapping/>
   </p:clrMapOvr>
   <mc:AlternateContent xmlns:mc="http://schemas.openxmlformats.org/markup-compatibility/2006">
-    <mc:Choice xmlns="" xmlns:p14="http://schemas.microsoft.com/office/powerpoint/2010/main" Requires="p14">
+    <mc:Choice xmlns:p14="http://schemas.microsoft.com/office/powerpoint/2010/main" xmlns="" Requires="p14">
       <p:transition p14:dur="10"/>
     </mc:Choice>
     <mc:Fallback>
@@ -16963,7 +16537,7 @@
     </p:spTree>
     <p:extLst>
       <p:ext uri="{BB962C8B-B14F-4D97-AF65-F5344CB8AC3E}">
-        <p14:creationId xmlns="" xmlns:p14="http://schemas.microsoft.com/office/powerpoint/2010/main" val="1721570405"/>
+        <p14:creationId xmlns:p14="http://schemas.microsoft.com/office/powerpoint/2010/main" xmlns="" val="1721570405"/>
       </p:ext>
     </p:extLst>
   </p:cSld>
@@ -17062,10 +16636,10 @@
             <p:nvPr/>
           </p:nvPicPr>
           <p:blipFill>
-            <a:blip r:embed="rId3" cstate="print">
+            <a:blip r:embed="rId3" cstate="email">
               <a:extLst>
                 <a:ext uri="{28A0092B-C50C-407E-A947-70E740481C1C}">
-                  <a14:useLocalDpi xmlns="" xmlns:a14="http://schemas.microsoft.com/office/drawing/2010/main" val="0"/>
+                  <a14:useLocalDpi xmlns:a14="http://schemas.microsoft.com/office/drawing/2010/main" xmlns="" val="0"/>
                 </a:ext>
               </a:extLst>
             </a:blip>
@@ -17089,14 +16663,14 @@
             <a:effectLst/>
             <a:extLst>
               <a:ext uri="{909E8E84-426E-40DD-AFC4-6F175D3DCCD1}">
-                <a14:hiddenFill xmlns="" xmlns:a14="http://schemas.microsoft.com/office/drawing/2010/main">
+                <a14:hiddenFill xmlns:a14="http://schemas.microsoft.com/office/drawing/2010/main" xmlns="">
                   <a:solidFill>
                     <a:schemeClr val="accent1"/>
                   </a:solidFill>
                 </a14:hiddenFill>
               </a:ext>
               <a:ext uri="{91240B29-F687-4F45-9708-019B960494DF}">
-                <a14:hiddenLine xmlns="" xmlns:a14="http://schemas.microsoft.com/office/drawing/2010/main" w="9525">
+                <a14:hiddenLine xmlns:a14="http://schemas.microsoft.com/office/drawing/2010/main" xmlns="" w="9525">
                   <a:solidFill>
                     <a:schemeClr val="tx1"/>
                   </a:solidFill>
@@ -17106,7 +16680,7 @@
                 </a14:hiddenLine>
               </a:ext>
               <a:ext uri="{AF507438-7753-43E0-B8FC-AC1667EBCBE1}">
-                <a14:hiddenEffects xmlns="" xmlns:a14="http://schemas.microsoft.com/office/drawing/2010/main">
+                <a14:hiddenEffects xmlns:a14="http://schemas.microsoft.com/office/drawing/2010/main" xmlns="">
                   <a:effectLst>
                     <a:outerShdw dist="35921" dir="2700000" algn="ctr" rotWithShape="0">
                       <a:schemeClr val="bg2"/>
@@ -17167,7 +16741,7 @@
     </p:spTree>
     <p:extLst>
       <p:ext uri="{BB962C8B-B14F-4D97-AF65-F5344CB8AC3E}">
-        <p14:creationId xmlns="" xmlns:p14="http://schemas.microsoft.com/office/powerpoint/2010/main" val="1721570405"/>
+        <p14:creationId xmlns:p14="http://schemas.microsoft.com/office/powerpoint/2010/main" xmlns="" val="1721570405"/>
       </p:ext>
     </p:extLst>
   </p:cSld>
@@ -17419,10 +16993,10 @@
               <p:nvPr/>
             </p:nvPicPr>
             <p:blipFill>
-              <a:blip r:embed="rId4" cstate="print">
+              <a:blip r:embed="rId4" cstate="email">
                 <a:extLst>
                   <a:ext uri="{28A0092B-C50C-407E-A947-70E740481C1C}">
-                    <a14:useLocalDpi xmlns="" xmlns:a14="http://schemas.microsoft.com/office/drawing/2010/main" val="0"/>
+                    <a14:useLocalDpi xmlns:a14="http://schemas.microsoft.com/office/drawing/2010/main" xmlns="" val="0"/>
                   </a:ext>
                 </a:extLst>
               </a:blip>
@@ -17446,14 +17020,14 @@
               <a:effectLst/>
               <a:extLst>
                 <a:ext uri="{909E8E84-426E-40DD-AFC4-6F175D3DCCD1}">
-                  <a14:hiddenFill xmlns="" xmlns:a14="http://schemas.microsoft.com/office/drawing/2010/main">
+                  <a14:hiddenFill xmlns:a14="http://schemas.microsoft.com/office/drawing/2010/main" xmlns="">
                     <a:solidFill>
                       <a:schemeClr val="accent1"/>
                     </a:solidFill>
                   </a14:hiddenFill>
                 </a:ext>
                 <a:ext uri="{91240B29-F687-4F45-9708-019B960494DF}">
-                  <a14:hiddenLine xmlns="" xmlns:a14="http://schemas.microsoft.com/office/drawing/2010/main" w="9525">
+                  <a14:hiddenLine xmlns:a14="http://schemas.microsoft.com/office/drawing/2010/main" xmlns="" w="9525">
                     <a:solidFill>
                       <a:schemeClr val="tx1"/>
                     </a:solidFill>
@@ -17463,7 +17037,7 @@
                   </a14:hiddenLine>
                 </a:ext>
                 <a:ext uri="{AF507438-7753-43E0-B8FC-AC1667EBCBE1}">
-                  <a14:hiddenEffects xmlns="" xmlns:a14="http://schemas.microsoft.com/office/drawing/2010/main">
+                  <a14:hiddenEffects xmlns:a14="http://schemas.microsoft.com/office/drawing/2010/main" xmlns="">
                     <a:effectLst>
                       <a:outerShdw dist="35921" dir="2700000" algn="ctr" rotWithShape="0">
                         <a:schemeClr val="bg2"/>
@@ -17539,10 +17113,10 @@
               <p:nvPr/>
             </p:nvPicPr>
             <p:blipFill>
-              <a:blip r:embed="rId5" cstate="print">
+              <a:blip r:embed="rId5" cstate="email">
                 <a:extLst>
                   <a:ext uri="{28A0092B-C50C-407E-A947-70E740481C1C}">
-                    <a14:useLocalDpi xmlns="" xmlns:a14="http://schemas.microsoft.com/office/drawing/2010/main" val="0"/>
+                    <a14:useLocalDpi xmlns:a14="http://schemas.microsoft.com/office/drawing/2010/main" xmlns="" val="0"/>
                   </a:ext>
                 </a:extLst>
               </a:blip>
@@ -17566,14 +17140,14 @@
               <a:effectLst/>
               <a:extLst>
                 <a:ext uri="{909E8E84-426E-40DD-AFC4-6F175D3DCCD1}">
-                  <a14:hiddenFill xmlns="" xmlns:a14="http://schemas.microsoft.com/office/drawing/2010/main">
+                  <a14:hiddenFill xmlns:a14="http://schemas.microsoft.com/office/drawing/2010/main" xmlns="">
                     <a:solidFill>
                       <a:schemeClr val="accent1"/>
                     </a:solidFill>
                   </a14:hiddenFill>
                 </a:ext>
                 <a:ext uri="{91240B29-F687-4F45-9708-019B960494DF}">
-                  <a14:hiddenLine xmlns="" xmlns:a14="http://schemas.microsoft.com/office/drawing/2010/main" w="9525">
+                  <a14:hiddenLine xmlns:a14="http://schemas.microsoft.com/office/drawing/2010/main" xmlns="" w="9525">
                     <a:solidFill>
                       <a:schemeClr val="tx1"/>
                     </a:solidFill>
@@ -17583,7 +17157,7 @@
                   </a14:hiddenLine>
                 </a:ext>
                 <a:ext uri="{AF507438-7753-43E0-B8FC-AC1667EBCBE1}">
-                  <a14:hiddenEffects xmlns="" xmlns:a14="http://schemas.microsoft.com/office/drawing/2010/main">
+                  <a14:hiddenEffects xmlns:a14="http://schemas.microsoft.com/office/drawing/2010/main" xmlns="">
                     <a:effectLst>
                       <a:outerShdw dist="35921" dir="2700000" algn="ctr" rotWithShape="0">
                         <a:schemeClr val="bg2"/>
@@ -17659,10 +17233,10 @@
             <p:nvPr/>
           </p:nvPicPr>
           <p:blipFill>
-            <a:blip r:embed="rId6" cstate="print">
+            <a:blip r:embed="rId6" cstate="email">
               <a:extLst>
                 <a:ext uri="{28A0092B-C50C-407E-A947-70E740481C1C}">
-                  <a14:useLocalDpi xmlns="" xmlns:a14="http://schemas.microsoft.com/office/drawing/2010/main" val="0"/>
+                  <a14:useLocalDpi xmlns:a14="http://schemas.microsoft.com/office/drawing/2010/main" xmlns="" val="0"/>
                 </a:ext>
               </a:extLst>
             </a:blip>
@@ -17686,14 +17260,14 @@
             <a:effectLst/>
             <a:extLst>
               <a:ext uri="{909E8E84-426E-40DD-AFC4-6F175D3DCCD1}">
-                <a14:hiddenFill xmlns="" xmlns:a14="http://schemas.microsoft.com/office/drawing/2010/main">
+                <a14:hiddenFill xmlns:a14="http://schemas.microsoft.com/office/drawing/2010/main" xmlns="">
                   <a:solidFill>
                     <a:schemeClr val="accent1"/>
                   </a:solidFill>
                 </a14:hiddenFill>
               </a:ext>
               <a:ext uri="{91240B29-F687-4F45-9708-019B960494DF}">
-                <a14:hiddenLine xmlns="" xmlns:a14="http://schemas.microsoft.com/office/drawing/2010/main" w="9525">
+                <a14:hiddenLine xmlns:a14="http://schemas.microsoft.com/office/drawing/2010/main" xmlns="" w="9525">
                   <a:solidFill>
                     <a:schemeClr val="tx1"/>
                   </a:solidFill>
@@ -17703,7 +17277,7 @@
                 </a14:hiddenLine>
               </a:ext>
               <a:ext uri="{AF507438-7753-43E0-B8FC-AC1667EBCBE1}">
-                <a14:hiddenEffects xmlns="" xmlns:a14="http://schemas.microsoft.com/office/drawing/2010/main">
+                <a14:hiddenEffects xmlns:a14="http://schemas.microsoft.com/office/drawing/2010/main" xmlns="">
                   <a:effectLst>
                     <a:outerShdw dist="35921" dir="2700000" algn="ctr" rotWithShape="0">
                       <a:schemeClr val="bg2"/>
@@ -17759,7 +17333,7 @@
     </p:spTree>
     <p:extLst>
       <p:ext uri="{BB962C8B-B14F-4D97-AF65-F5344CB8AC3E}">
-        <p14:creationId xmlns="" xmlns:p14="http://schemas.microsoft.com/office/powerpoint/2010/main" val="1177755105"/>
+        <p14:creationId xmlns:p14="http://schemas.microsoft.com/office/powerpoint/2010/main" xmlns="" val="1177755105"/>
       </p:ext>
     </p:extLst>
   </p:cSld>
@@ -17767,7 +17341,7 @@
     <a:masterClrMapping/>
   </p:clrMapOvr>
   <mc:AlternateContent xmlns:mc="http://schemas.openxmlformats.org/markup-compatibility/2006">
-    <mc:Choice xmlns="" xmlns:p14="http://schemas.microsoft.com/office/powerpoint/2010/main" Requires="p14">
+    <mc:Choice xmlns:p14="http://schemas.microsoft.com/office/powerpoint/2010/main" xmlns="" Requires="p14">
       <p:transition p14:dur="10"/>
     </mc:Choice>
     <mc:Fallback>
@@ -18018,10 +17592,10 @@
           <p:nvPr/>
         </p:nvPicPr>
         <p:blipFill>
-          <a:blip r:embed="rId3" cstate="print">
+          <a:blip r:embed="rId3" cstate="email">
             <a:extLst>
               <a:ext uri="{28A0092B-C50C-407E-A947-70E740481C1C}">
-                <a14:useLocalDpi xmlns="" xmlns:a14="http://schemas.microsoft.com/office/drawing/2010/main" val="0"/>
+                <a14:useLocalDpi xmlns:a14="http://schemas.microsoft.com/office/drawing/2010/main" xmlns="" val="0"/>
               </a:ext>
             </a:extLst>
           </a:blip>
@@ -18045,14 +17619,14 @@
           <a:effectLst/>
           <a:extLst>
             <a:ext uri="{909E8E84-426E-40DD-AFC4-6F175D3DCCD1}">
-              <a14:hiddenFill xmlns="" xmlns:a14="http://schemas.microsoft.com/office/drawing/2010/main">
+              <a14:hiddenFill xmlns:a14="http://schemas.microsoft.com/office/drawing/2010/main" xmlns="">
                 <a:solidFill>
                   <a:schemeClr val="accent1"/>
                 </a:solidFill>
               </a14:hiddenFill>
             </a:ext>
             <a:ext uri="{91240B29-F687-4F45-9708-019B960494DF}">
-              <a14:hiddenLine xmlns="" xmlns:a14="http://schemas.microsoft.com/office/drawing/2010/main" w="9525">
+              <a14:hiddenLine xmlns:a14="http://schemas.microsoft.com/office/drawing/2010/main" xmlns="" w="9525">
                 <a:solidFill>
                   <a:schemeClr val="tx1"/>
                 </a:solidFill>
@@ -18062,7 +17636,7 @@
               </a14:hiddenLine>
             </a:ext>
             <a:ext uri="{AF507438-7753-43E0-B8FC-AC1667EBCBE1}">
-              <a14:hiddenEffects xmlns="" xmlns:a14="http://schemas.microsoft.com/office/drawing/2010/main">
+              <a14:hiddenEffects xmlns:a14="http://schemas.microsoft.com/office/drawing/2010/main" xmlns="">
                 <a:effectLst>
                   <a:outerShdw dist="35921" dir="2700000" algn="ctr" rotWithShape="0">
                     <a:schemeClr val="bg2"/>
@@ -18082,10 +17656,10 @@
           <p:nvPr/>
         </p:nvPicPr>
         <p:blipFill>
-          <a:blip r:embed="rId4" cstate="print">
+          <a:blip r:embed="rId4" cstate="email">
             <a:extLst>
               <a:ext uri="{28A0092B-C50C-407E-A947-70E740481C1C}">
-                <a14:useLocalDpi xmlns="" xmlns:a14="http://schemas.microsoft.com/office/drawing/2010/main" val="0"/>
+                <a14:useLocalDpi xmlns:a14="http://schemas.microsoft.com/office/drawing/2010/main" xmlns="" val="0"/>
               </a:ext>
             </a:extLst>
           </a:blip>
@@ -18109,14 +17683,14 @@
           <a:effectLst/>
           <a:extLst>
             <a:ext uri="{909E8E84-426E-40DD-AFC4-6F175D3DCCD1}">
-              <a14:hiddenFill xmlns="" xmlns:a14="http://schemas.microsoft.com/office/drawing/2010/main">
+              <a14:hiddenFill xmlns:a14="http://schemas.microsoft.com/office/drawing/2010/main" xmlns="">
                 <a:solidFill>
                   <a:schemeClr val="accent1"/>
                 </a:solidFill>
               </a14:hiddenFill>
             </a:ext>
             <a:ext uri="{91240B29-F687-4F45-9708-019B960494DF}">
-              <a14:hiddenLine xmlns="" xmlns:a14="http://schemas.microsoft.com/office/drawing/2010/main" w="9525">
+              <a14:hiddenLine xmlns:a14="http://schemas.microsoft.com/office/drawing/2010/main" xmlns="" w="9525">
                 <a:solidFill>
                   <a:schemeClr val="tx1"/>
                 </a:solidFill>
@@ -18126,7 +17700,7 @@
               </a14:hiddenLine>
             </a:ext>
             <a:ext uri="{AF507438-7753-43E0-B8FC-AC1667EBCBE1}">
-              <a14:hiddenEffects xmlns="" xmlns:a14="http://schemas.microsoft.com/office/drawing/2010/main">
+              <a14:hiddenEffects xmlns:a14="http://schemas.microsoft.com/office/drawing/2010/main" xmlns="">
                 <a:effectLst>
                   <a:outerShdw dist="35921" dir="2700000" algn="ctr" rotWithShape="0">
                     <a:schemeClr val="bg2"/>
@@ -18272,7 +17846,7 @@
     </p:spTree>
     <p:extLst>
       <p:ext uri="{BB962C8B-B14F-4D97-AF65-F5344CB8AC3E}">
-        <p14:creationId xmlns="" xmlns:p14="http://schemas.microsoft.com/office/powerpoint/2010/main" val="2140692636"/>
+        <p14:creationId xmlns:p14="http://schemas.microsoft.com/office/powerpoint/2010/main" xmlns="" val="2140692636"/>
       </p:ext>
     </p:extLst>
   </p:cSld>
@@ -18280,7 +17854,7 @@
     <a:masterClrMapping/>
   </p:clrMapOvr>
   <mc:AlternateContent xmlns:mc="http://schemas.openxmlformats.org/markup-compatibility/2006">
-    <mc:Choice xmlns="" xmlns:p14="http://schemas.microsoft.com/office/powerpoint/2010/main" Requires="p14">
+    <mc:Choice xmlns:p14="http://schemas.microsoft.com/office/powerpoint/2010/main" xmlns="" Requires="p14">
       <p:transition p14:dur="10"/>
     </mc:Choice>
     <mc:Fallback>
@@ -18527,10 +18101,10 @@
           <p:nvPr/>
         </p:nvPicPr>
         <p:blipFill>
-          <a:blip r:embed="rId3" cstate="print">
+          <a:blip r:embed="rId3" cstate="email">
             <a:extLst>
               <a:ext uri="{28A0092B-C50C-407E-A947-70E740481C1C}">
-                <a14:useLocalDpi xmlns="" xmlns:a14="http://schemas.microsoft.com/office/drawing/2010/main" val="0"/>
+                <a14:useLocalDpi xmlns:a14="http://schemas.microsoft.com/office/drawing/2010/main" xmlns="" val="0"/>
               </a:ext>
             </a:extLst>
           </a:blip>
@@ -18554,14 +18128,14 @@
           <a:effectLst/>
           <a:extLst>
             <a:ext uri="{909E8E84-426E-40DD-AFC4-6F175D3DCCD1}">
-              <a14:hiddenFill xmlns="" xmlns:a14="http://schemas.microsoft.com/office/drawing/2010/main">
+              <a14:hiddenFill xmlns:a14="http://schemas.microsoft.com/office/drawing/2010/main" xmlns="">
                 <a:solidFill>
                   <a:schemeClr val="accent1"/>
                 </a:solidFill>
               </a14:hiddenFill>
             </a:ext>
             <a:ext uri="{91240B29-F687-4F45-9708-019B960494DF}">
-              <a14:hiddenLine xmlns="" xmlns:a14="http://schemas.microsoft.com/office/drawing/2010/main" w="9525">
+              <a14:hiddenLine xmlns:a14="http://schemas.microsoft.com/office/drawing/2010/main" xmlns="" w="9525">
                 <a:solidFill>
                   <a:schemeClr val="tx1"/>
                 </a:solidFill>
@@ -18571,7 +18145,7 @@
               </a14:hiddenLine>
             </a:ext>
             <a:ext uri="{AF507438-7753-43E0-B8FC-AC1667EBCBE1}">
-              <a14:hiddenEffects xmlns="" xmlns:a14="http://schemas.microsoft.com/office/drawing/2010/main">
+              <a14:hiddenEffects xmlns:a14="http://schemas.microsoft.com/office/drawing/2010/main" xmlns="">
                 <a:effectLst>
                   <a:outerShdw dist="35921" dir="2700000" algn="ctr" rotWithShape="0">
                     <a:schemeClr val="bg2"/>
@@ -18654,10 +18228,10 @@
             <p:nvPr/>
           </p:nvPicPr>
           <p:blipFill>
-            <a:blip r:embed="rId4" cstate="print">
+            <a:blip r:embed="rId4" cstate="email">
               <a:extLst>
                 <a:ext uri="{28A0092B-C50C-407E-A947-70E740481C1C}">
-                  <a14:useLocalDpi xmlns="" xmlns:a14="http://schemas.microsoft.com/office/drawing/2010/main" val="0"/>
+                  <a14:useLocalDpi xmlns:a14="http://schemas.microsoft.com/office/drawing/2010/main" xmlns="" val="0"/>
                 </a:ext>
               </a:extLst>
             </a:blip>
@@ -18681,14 +18255,14 @@
             <a:effectLst/>
             <a:extLst>
               <a:ext uri="{909E8E84-426E-40DD-AFC4-6F175D3DCCD1}">
-                <a14:hiddenFill xmlns="" xmlns:a14="http://schemas.microsoft.com/office/drawing/2010/main">
+                <a14:hiddenFill xmlns:a14="http://schemas.microsoft.com/office/drawing/2010/main" xmlns="">
                   <a:solidFill>
                     <a:schemeClr val="accent1"/>
                   </a:solidFill>
                 </a14:hiddenFill>
               </a:ext>
               <a:ext uri="{91240B29-F687-4F45-9708-019B960494DF}">
-                <a14:hiddenLine xmlns="" xmlns:a14="http://schemas.microsoft.com/office/drawing/2010/main" w="9525">
+                <a14:hiddenLine xmlns:a14="http://schemas.microsoft.com/office/drawing/2010/main" xmlns="" w="9525">
                   <a:solidFill>
                     <a:schemeClr val="tx1"/>
                   </a:solidFill>
@@ -18698,7 +18272,7 @@
                 </a14:hiddenLine>
               </a:ext>
               <a:ext uri="{AF507438-7753-43E0-B8FC-AC1667EBCBE1}">
-                <a14:hiddenEffects xmlns="" xmlns:a14="http://schemas.microsoft.com/office/drawing/2010/main">
+                <a14:hiddenEffects xmlns:a14="http://schemas.microsoft.com/office/drawing/2010/main" xmlns="">
                   <a:effectLst>
                     <a:outerShdw dist="35921" dir="2700000" algn="ctr" rotWithShape="0">
                       <a:schemeClr val="bg2"/>
@@ -18896,7 +18470,7 @@
     </p:spTree>
     <p:extLst>
       <p:ext uri="{BB962C8B-B14F-4D97-AF65-F5344CB8AC3E}">
-        <p14:creationId xmlns="" xmlns:p14="http://schemas.microsoft.com/office/powerpoint/2010/main" val="4258585180"/>
+        <p14:creationId xmlns:p14="http://schemas.microsoft.com/office/powerpoint/2010/main" xmlns="" val="4258585180"/>
       </p:ext>
     </p:extLst>
   </p:cSld>
@@ -18904,7 +18478,7 @@
     <a:masterClrMapping/>
   </p:clrMapOvr>
   <mc:AlternateContent xmlns:mc="http://schemas.openxmlformats.org/markup-compatibility/2006">
-    <mc:Choice xmlns="" xmlns:p14="http://schemas.microsoft.com/office/powerpoint/2010/main" Requires="p14">
+    <mc:Choice xmlns:p14="http://schemas.microsoft.com/office/powerpoint/2010/main" xmlns="" Requires="p14">
       <p:transition p14:dur="10"/>
     </mc:Choice>
     <mc:Fallback>
@@ -19304,7 +18878,7 @@
     </p:spTree>
     <p:extLst>
       <p:ext uri="{BB962C8B-B14F-4D97-AF65-F5344CB8AC3E}">
-        <p14:creationId xmlns="" xmlns:p14="http://schemas.microsoft.com/office/powerpoint/2010/main" val="2645139636"/>
+        <p14:creationId xmlns:p14="http://schemas.microsoft.com/office/powerpoint/2010/main" xmlns="" val="2645139636"/>
       </p:ext>
     </p:extLst>
   </p:cSld>
@@ -19312,7 +18886,7 @@
     <a:masterClrMapping/>
   </p:clrMapOvr>
   <mc:AlternateContent xmlns:mc="http://schemas.openxmlformats.org/markup-compatibility/2006">
-    <mc:Choice xmlns="" xmlns:p14="http://schemas.microsoft.com/office/powerpoint/2010/main" Requires="p14">
+    <mc:Choice xmlns:p14="http://schemas.microsoft.com/office/powerpoint/2010/main" xmlns="" Requires="p14">
       <p:transition p14:dur="10"/>
     </mc:Choice>
     <mc:Fallback>
@@ -19506,10 +19080,10 @@
           <p:nvPr/>
         </p:nvPicPr>
         <p:blipFill>
-          <a:blip r:embed="rId3" cstate="print">
+          <a:blip r:embed="rId3" cstate="email">
             <a:extLst>
               <a:ext uri="{28A0092B-C50C-407E-A947-70E740481C1C}">
-                <a14:useLocalDpi xmlns="" xmlns:a14="http://schemas.microsoft.com/office/drawing/2010/main" val="0"/>
+                <a14:useLocalDpi xmlns:a14="http://schemas.microsoft.com/office/drawing/2010/main" xmlns="" val="0"/>
               </a:ext>
             </a:extLst>
           </a:blip>
@@ -19533,14 +19107,14 @@
           <a:effectLst/>
           <a:extLst>
             <a:ext uri="{909E8E84-426E-40DD-AFC4-6F175D3DCCD1}">
-              <a14:hiddenFill xmlns="" xmlns:a14="http://schemas.microsoft.com/office/drawing/2010/main">
+              <a14:hiddenFill xmlns:a14="http://schemas.microsoft.com/office/drawing/2010/main" xmlns="">
                 <a:solidFill>
                   <a:schemeClr val="accent1"/>
                 </a:solidFill>
               </a14:hiddenFill>
             </a:ext>
             <a:ext uri="{91240B29-F687-4F45-9708-019B960494DF}">
-              <a14:hiddenLine xmlns="" xmlns:a14="http://schemas.microsoft.com/office/drawing/2010/main" w="9525">
+              <a14:hiddenLine xmlns:a14="http://schemas.microsoft.com/office/drawing/2010/main" xmlns="" w="9525">
                 <a:solidFill>
                   <a:schemeClr val="tx1"/>
                 </a:solidFill>
@@ -19550,7 +19124,7 @@
               </a14:hiddenLine>
             </a:ext>
             <a:ext uri="{AF507438-7753-43E0-B8FC-AC1667EBCBE1}">
-              <a14:hiddenEffects xmlns="" xmlns:a14="http://schemas.microsoft.com/office/drawing/2010/main">
+              <a14:hiddenEffects xmlns:a14="http://schemas.microsoft.com/office/drawing/2010/main" xmlns="">
                 <a:effectLst>
                   <a:outerShdw dist="35921" dir="2700000" algn="ctr" rotWithShape="0">
                     <a:schemeClr val="bg2"/>
@@ -19570,10 +19144,10 @@
           <p:nvPr/>
         </p:nvPicPr>
         <p:blipFill>
-          <a:blip r:embed="rId4" cstate="print">
+          <a:blip r:embed="rId4" cstate="email">
             <a:extLst>
               <a:ext uri="{28A0092B-C50C-407E-A947-70E740481C1C}">
-                <a14:useLocalDpi xmlns="" xmlns:a14="http://schemas.microsoft.com/office/drawing/2010/main" val="0"/>
+                <a14:useLocalDpi xmlns:a14="http://schemas.microsoft.com/office/drawing/2010/main" xmlns="" val="0"/>
               </a:ext>
             </a:extLst>
           </a:blip>
@@ -19597,14 +19171,14 @@
           <a:effectLst/>
           <a:extLst>
             <a:ext uri="{909E8E84-426E-40DD-AFC4-6F175D3DCCD1}">
-              <a14:hiddenFill xmlns="" xmlns:a14="http://schemas.microsoft.com/office/drawing/2010/main">
+              <a14:hiddenFill xmlns:a14="http://schemas.microsoft.com/office/drawing/2010/main" xmlns="">
                 <a:solidFill>
                   <a:schemeClr val="accent1"/>
                 </a:solidFill>
               </a14:hiddenFill>
             </a:ext>
             <a:ext uri="{91240B29-F687-4F45-9708-019B960494DF}">
-              <a14:hiddenLine xmlns="" xmlns:a14="http://schemas.microsoft.com/office/drawing/2010/main" w="9525">
+              <a14:hiddenLine xmlns:a14="http://schemas.microsoft.com/office/drawing/2010/main" xmlns="" w="9525">
                 <a:solidFill>
                   <a:schemeClr val="tx1"/>
                 </a:solidFill>
@@ -19614,7 +19188,7 @@
               </a14:hiddenLine>
             </a:ext>
             <a:ext uri="{AF507438-7753-43E0-B8FC-AC1667EBCBE1}">
-              <a14:hiddenEffects xmlns="" xmlns:a14="http://schemas.microsoft.com/office/drawing/2010/main">
+              <a14:hiddenEffects xmlns:a14="http://schemas.microsoft.com/office/drawing/2010/main" xmlns="">
                 <a:effectLst>
                   <a:outerShdw dist="35921" dir="2700000" algn="ctr" rotWithShape="0">
                     <a:schemeClr val="bg2"/>
@@ -19634,10 +19208,10 @@
           <p:nvPr/>
         </p:nvPicPr>
         <p:blipFill>
-          <a:blip r:embed="rId5" cstate="print">
+          <a:blip r:embed="rId5" cstate="email">
             <a:extLst>
               <a:ext uri="{28A0092B-C50C-407E-A947-70E740481C1C}">
-                <a14:useLocalDpi xmlns="" xmlns:a14="http://schemas.microsoft.com/office/drawing/2010/main" val="0"/>
+                <a14:useLocalDpi xmlns:a14="http://schemas.microsoft.com/office/drawing/2010/main" xmlns="" val="0"/>
               </a:ext>
             </a:extLst>
           </a:blip>
@@ -19661,14 +19235,14 @@
           <a:effectLst/>
           <a:extLst>
             <a:ext uri="{909E8E84-426E-40DD-AFC4-6F175D3DCCD1}">
-              <a14:hiddenFill xmlns="" xmlns:a14="http://schemas.microsoft.com/office/drawing/2010/main">
+              <a14:hiddenFill xmlns:a14="http://schemas.microsoft.com/office/drawing/2010/main" xmlns="">
                 <a:solidFill>
                   <a:schemeClr val="accent1"/>
                 </a:solidFill>
               </a14:hiddenFill>
             </a:ext>
             <a:ext uri="{91240B29-F687-4F45-9708-019B960494DF}">
-              <a14:hiddenLine xmlns="" xmlns:a14="http://schemas.microsoft.com/office/drawing/2010/main" w="9525">
+              <a14:hiddenLine xmlns:a14="http://schemas.microsoft.com/office/drawing/2010/main" xmlns="" w="9525">
                 <a:solidFill>
                   <a:schemeClr val="tx1"/>
                 </a:solidFill>
@@ -19678,7 +19252,7 @@
               </a14:hiddenLine>
             </a:ext>
             <a:ext uri="{AF507438-7753-43E0-B8FC-AC1667EBCBE1}">
-              <a14:hiddenEffects xmlns="" xmlns:a14="http://schemas.microsoft.com/office/drawing/2010/main">
+              <a14:hiddenEffects xmlns:a14="http://schemas.microsoft.com/office/drawing/2010/main" xmlns="">
                 <a:effectLst>
                   <a:outerShdw dist="35921" dir="2700000" algn="ctr" rotWithShape="0">
                     <a:schemeClr val="bg2"/>
@@ -19692,7 +19266,7 @@
     </p:spTree>
     <p:extLst>
       <p:ext uri="{BB962C8B-B14F-4D97-AF65-F5344CB8AC3E}">
-        <p14:creationId xmlns="" xmlns:p14="http://schemas.microsoft.com/office/powerpoint/2010/main" val="2687123726"/>
+        <p14:creationId xmlns:p14="http://schemas.microsoft.com/office/powerpoint/2010/main" xmlns="" val="2687123726"/>
       </p:ext>
     </p:extLst>
   </p:cSld>
@@ -19700,7 +19274,7 @@
     <a:masterClrMapping/>
   </p:clrMapOvr>
   <mc:AlternateContent xmlns:mc="http://schemas.openxmlformats.org/markup-compatibility/2006">
-    <mc:Choice xmlns="" xmlns:p14="http://schemas.microsoft.com/office/powerpoint/2010/main" Requires="p14">
+    <mc:Choice xmlns:p14="http://schemas.microsoft.com/office/powerpoint/2010/main" xmlns="" Requires="p14">
       <p:transition p14:dur="10"/>
     </mc:Choice>
     <mc:Fallback>
